--- a/design1.pptx
+++ b/design1.pptx
@@ -1,8 +1,8 @@
 
 <file path=ppt/presentation.xml><?xml version="1.0" encoding="utf-8"?>
-<p:presentation xmlns:a="http://schemas.openxmlformats.org/drawingml/2006/main" xmlns:r="http://schemas.openxmlformats.org/officeDocument/2006/relationships" xmlns:p="http://schemas.openxmlformats.org/presentationml/2006/main" saveSubsetFonts="1">
+<p:presentation xmlns:a="http://schemas.openxmlformats.org/drawingml/2006/main" xmlns:r="http://schemas.openxmlformats.org/officeDocument/2006/relationships" xmlns:p="http://schemas.openxmlformats.org/presentationml/2006/main" saveSubsetFonts="1" autoCompressPictures="0">
   <p:sldMasterIdLst>
-    <p:sldMasterId id="2147483660" r:id="rId1"/>
+    <p:sldMasterId id="2147483690" r:id="rId1"/>
   </p:sldMasterIdLst>
   <p:sldIdLst>
     <p:sldId id="256" r:id="rId2"/>
@@ -12,7 +12,7 @@
     <p:sldId id="260" r:id="rId6"/>
     <p:sldId id="261" r:id="rId7"/>
   </p:sldIdLst>
-  <p:sldSz cx="12192000" cy="6858000"/>
+  <p:sldSz cx="9144000" cy="6858000" type="screen4x3"/>
   <p:notesSz cx="6858000" cy="9144000"/>
   <p:defaultTextStyle>
     <a:defPPr>
@@ -109,6 +109,22 @@
       </a:defRPr>
     </a:lvl9pPr>
   </p:defaultTextStyle>
+  <p:extLst>
+    <p:ext uri="{EFAFB233-063F-42B5-8137-9DF3F51BA10A}">
+      <p15:sldGuideLst xmlns:p15="http://schemas.microsoft.com/office/powerpoint/2012/main">
+        <p15:guide id="1" orient="horz" pos="2160">
+          <p15:clr>
+            <a:srgbClr val="A4A3A4"/>
+          </p15:clr>
+        </p15:guide>
+        <p15:guide id="2" pos="2880">
+          <p15:clr>
+            <a:srgbClr val="A4A3A4"/>
+          </p15:clr>
+        </p15:guide>
+      </p15:sldGuideLst>
+    </p:ext>
+  </p:extLst>
 </p:presentation>
 </file>
 
@@ -137,21 +153,58 @@
         </p:nvGrpSpPr>
         <p:grpSpPr>
           <a:xfrm>
-            <a:off x="0" y="-8467"/>
-            <a:ext cx="12192000" cy="6866467"/>
-            <a:chOff x="0" y="-8467"/>
-            <a:chExt cx="12192000" cy="6866467"/>
+            <a:off x="-8466" y="-8468"/>
+            <a:ext cx="9169804" cy="6874935"/>
+            <a:chOff x="-8466" y="-8468"/>
+            <a:chExt cx="9169804" cy="6874935"/>
           </a:xfrm>
         </p:grpSpPr>
         <p:cxnSp>
           <p:nvCxnSpPr>
-            <p:cNvPr id="32" name="Straight Connector 31"/>
+            <p:cNvPr id="17" name="Straight Connector 16"/>
+            <p:cNvCxnSpPr/>
+            <p:nvPr/>
+          </p:nvCxnSpPr>
+          <p:spPr>
+            <a:xfrm flipV="1">
+              <a:off x="5130830" y="4175605"/>
+              <a:ext cx="4022475" cy="2682396"/>
+            </a:xfrm>
+            <a:prstGeom prst="line">
+              <a:avLst/>
+            </a:prstGeom>
+            <a:ln w="9525">
+              <a:solidFill>
+                <a:schemeClr val="bg1">
+                  <a:lumMod val="85000"/>
+                </a:schemeClr>
+              </a:solidFill>
+            </a:ln>
+          </p:spPr>
+          <p:style>
+            <a:lnRef idx="2">
+              <a:schemeClr val="accent1"/>
+            </a:lnRef>
+            <a:fillRef idx="0">
+              <a:schemeClr val="accent1"/>
+            </a:fillRef>
+            <a:effectRef idx="1">
+              <a:schemeClr val="accent1"/>
+            </a:effectRef>
+            <a:fontRef idx="minor">
+              <a:schemeClr val="tx1"/>
+            </a:fontRef>
+          </p:style>
+        </p:cxnSp>
+        <p:cxnSp>
+          <p:nvCxnSpPr>
+            <p:cNvPr id="18" name="Straight Connector 17"/>
             <p:cNvCxnSpPr/>
             <p:nvPr/>
           </p:nvCxnSpPr>
           <p:spPr>
             <a:xfrm>
-              <a:off x="9371012" y="0"/>
+              <a:off x="7042707" y="0"/>
               <a:ext cx="1219200" cy="6858000"/>
             </a:xfrm>
             <a:prstGeom prst="line">
@@ -180,53 +233,16 @@
             </a:fontRef>
           </p:style>
         </p:cxnSp>
-        <p:cxnSp>
-          <p:nvCxnSpPr>
-            <p:cNvPr id="21" name="Straight Connector 20"/>
-            <p:cNvCxnSpPr/>
-            <p:nvPr/>
-          </p:nvCxnSpPr>
-          <p:spPr>
-            <a:xfrm flipH="1">
-              <a:off x="7425267" y="3681413"/>
-              <a:ext cx="4763558" cy="3176587"/>
-            </a:xfrm>
-            <a:prstGeom prst="line">
-              <a:avLst/>
-            </a:prstGeom>
-            <a:ln w="9525">
-              <a:solidFill>
-                <a:schemeClr val="bg1">
-                  <a:lumMod val="85000"/>
-                </a:schemeClr>
-              </a:solidFill>
-            </a:ln>
-          </p:spPr>
-          <p:style>
-            <a:lnRef idx="2">
-              <a:schemeClr val="accent1"/>
-            </a:lnRef>
-            <a:fillRef idx="0">
-              <a:schemeClr val="accent1"/>
-            </a:fillRef>
-            <a:effectRef idx="1">
-              <a:schemeClr val="accent1"/>
-            </a:effectRef>
-            <a:fontRef idx="minor">
-              <a:schemeClr val="tx1"/>
-            </a:fontRef>
-          </p:style>
-        </p:cxnSp>
         <p:sp>
           <p:nvSpPr>
-            <p:cNvPr id="24" name="Rectangle 23"/>
+            <p:cNvPr id="19" name="Freeform 18"/>
             <p:cNvSpPr/>
             <p:nvPr/>
           </p:nvSpPr>
           <p:spPr>
             <a:xfrm>
-              <a:off x="9181476" y="-8467"/>
-              <a:ext cx="3007349" cy="6866467"/>
+              <a:off x="6891896" y="1"/>
+              <a:ext cx="2269442" cy="6866466"/>
             </a:xfrm>
             <a:custGeom>
               <a:avLst/>
@@ -235,21 +251,23 @@
               <a:cxnLst/>
               <a:rect l="l" t="t" r="r" b="b"/>
               <a:pathLst>
-                <a:path w="3007349" h="6866467">
+                <a:path w="2269442" h="6866466">
                   <a:moveTo>
-                    <a:pt x="2045532" y="0"/>
+                    <a:pt x="2023534" y="0"/>
                   </a:moveTo>
                   <a:lnTo>
-                    <a:pt x="3007349" y="0"/>
+                    <a:pt x="0" y="6858000"/>
                   </a:lnTo>
                   <a:lnTo>
-                    <a:pt x="3007349" y="6866467"/>
+                    <a:pt x="2269067" y="6866466"/>
                   </a:lnTo>
+                  <a:cubicBezTo>
+                    <a:pt x="2271889" y="4580466"/>
+                    <a:pt x="2257778" y="2294466"/>
+                    <a:pt x="2260600" y="8466"/>
+                  </a:cubicBezTo>
                   <a:lnTo>
-                    <a:pt x="0" y="6866467"/>
-                  </a:lnTo>
-                  <a:lnTo>
-                    <a:pt x="2045532" y="0"/>
+                    <a:pt x="2023534" y="0"/>
                   </a:lnTo>
                   <a:close/>
                 </a:path>
@@ -282,14 +300,14 @@
         </p:sp>
         <p:sp>
           <p:nvSpPr>
-            <p:cNvPr id="26" name="Rectangle 25"/>
+            <p:cNvPr id="20" name="Freeform 19"/>
             <p:cNvSpPr/>
             <p:nvPr/>
           </p:nvSpPr>
           <p:spPr>
             <a:xfrm>
-              <a:off x="9603442" y="-8467"/>
-              <a:ext cx="2588558" cy="6866467"/>
+              <a:off x="7205158" y="-8467"/>
+              <a:ext cx="1948147" cy="6866467"/>
             </a:xfrm>
             <a:custGeom>
               <a:avLst/>
@@ -298,19 +316,21 @@
               <a:cxnLst/>
               <a:rect l="l" t="t" r="r" b="b"/>
               <a:pathLst>
-                <a:path w="2573311" h="6866467">
+                <a:path w="1948147" h="6866467">
                   <a:moveTo>
                     <a:pt x="0" y="0"/>
                   </a:moveTo>
                   <a:lnTo>
-                    <a:pt x="2573311" y="0"/>
+                    <a:pt x="1202267" y="6866467"/>
                   </a:lnTo>
                   <a:lnTo>
-                    <a:pt x="2573311" y="6866467"/>
+                    <a:pt x="1947333" y="6866467"/>
                   </a:lnTo>
-                  <a:lnTo>
-                    <a:pt x="1202336" y="6866467"/>
-                  </a:lnTo>
+                  <a:cubicBezTo>
+                    <a:pt x="1944511" y="4577645"/>
+                    <a:pt x="1950155" y="2288822"/>
+                    <a:pt x="1947333" y="0"/>
+                  </a:cubicBezTo>
                   <a:lnTo>
                     <a:pt x="0" y="0"/>
                   </a:lnTo>
@@ -345,20 +365,41 @@
         </p:sp>
         <p:sp>
           <p:nvSpPr>
-            <p:cNvPr id="27" name="Isosceles Triangle 26"/>
+            <p:cNvPr id="21" name="Freeform 20"/>
             <p:cNvSpPr/>
             <p:nvPr/>
           </p:nvSpPr>
           <p:spPr>
             <a:xfrm>
-              <a:off x="8932333" y="3048000"/>
-              <a:ext cx="3259667" cy="3810000"/>
+              <a:off x="6637896" y="3920066"/>
+              <a:ext cx="2513565" cy="2937933"/>
             </a:xfrm>
-            <a:prstGeom prst="triangle">
-              <a:avLst>
-                <a:gd name="adj" fmla="val 100000"/>
-              </a:avLst>
-            </a:prstGeom>
+            <a:custGeom>
+              <a:avLst/>
+              <a:gdLst/>
+              <a:ahLst/>
+              <a:cxnLst/>
+              <a:rect l="l" t="t" r="r" b="b"/>
+              <a:pathLst>
+                <a:path w="3259667" h="3810000">
+                  <a:moveTo>
+                    <a:pt x="0" y="3810000"/>
+                  </a:moveTo>
+                  <a:lnTo>
+                    <a:pt x="3251200" y="0"/>
+                  </a:lnTo>
+                  <a:cubicBezTo>
+                    <a:pt x="3254022" y="1270000"/>
+                    <a:pt x="3256845" y="2540000"/>
+                    <a:pt x="3259667" y="3810000"/>
+                  </a:cubicBezTo>
+                  <a:lnTo>
+                    <a:pt x="0" y="3810000"/>
+                  </a:lnTo>
+                  <a:close/>
+                </a:path>
+              </a:pathLst>
+            </a:custGeom>
             <a:solidFill>
               <a:schemeClr val="accent2">
                 <a:alpha val="72000"/>
@@ -386,14 +427,14 @@
         </p:sp>
         <p:sp>
           <p:nvSpPr>
-            <p:cNvPr id="28" name="Rectangle 27"/>
+            <p:cNvPr id="22" name="Freeform 21"/>
             <p:cNvSpPr/>
             <p:nvPr/>
           </p:nvSpPr>
           <p:spPr>
             <a:xfrm>
-              <a:off x="9334500" y="-8467"/>
-              <a:ext cx="2854326" cy="6866467"/>
+              <a:off x="7010429" y="-8467"/>
+              <a:ext cx="2142876" cy="6866467"/>
             </a:xfrm>
             <a:custGeom>
               <a:avLst/>
@@ -402,18 +443,18 @@
               <a:cxnLst/>
               <a:rect l="l" t="t" r="r" b="b"/>
               <a:pathLst>
-                <a:path w="2858013" h="6866467">
+                <a:path w="2853267" h="6866467">
                   <a:moveTo>
                     <a:pt x="0" y="0"/>
                   </a:moveTo>
                   <a:lnTo>
-                    <a:pt x="2858013" y="0"/>
+                    <a:pt x="2472267" y="6866467"/>
                   </a:lnTo>
                   <a:lnTo>
-                    <a:pt x="2858013" y="6866467"/>
+                    <a:pt x="2853267" y="6858000"/>
                   </a:lnTo>
                   <a:lnTo>
-                    <a:pt x="2473942" y="6866467"/>
+                    <a:pt x="2853267" y="0"/>
                   </a:lnTo>
                   <a:lnTo>
                     <a:pt x="0" y="0"/>
@@ -450,14 +491,14 @@
         </p:sp>
         <p:sp>
           <p:nvSpPr>
-            <p:cNvPr id="29" name="Rectangle 28"/>
+            <p:cNvPr id="23" name="Freeform 22"/>
             <p:cNvSpPr/>
             <p:nvPr/>
           </p:nvSpPr>
           <p:spPr>
             <a:xfrm>
-              <a:off x="10898730" y="-8467"/>
-              <a:ext cx="1290094" cy="6866467"/>
+              <a:off x="8295776" y="-8467"/>
+              <a:ext cx="857530" cy="6866467"/>
             </a:xfrm>
             <a:custGeom>
               <a:avLst/>
@@ -466,21 +507,23 @@
               <a:cxnLst/>
               <a:rect l="l" t="t" r="r" b="b"/>
               <a:pathLst>
-                <a:path w="1290094" h="6858000">
+                <a:path w="1286933" h="6866467">
                   <a:moveTo>
-                    <a:pt x="1019735" y="0"/>
+                    <a:pt x="1016000" y="0"/>
                   </a:moveTo>
                   <a:lnTo>
-                    <a:pt x="1290094" y="0"/>
+                    <a:pt x="0" y="6866467"/>
                   </a:lnTo>
                   <a:lnTo>
-                    <a:pt x="1290094" y="6858000"/>
+                    <a:pt x="1286933" y="6866467"/>
                   </a:lnTo>
+                  <a:cubicBezTo>
+                    <a:pt x="1284111" y="4577645"/>
+                    <a:pt x="1281288" y="2288822"/>
+                    <a:pt x="1278466" y="0"/>
+                  </a:cubicBezTo>
                   <a:lnTo>
-                    <a:pt x="0" y="6858000"/>
-                  </a:lnTo>
-                  <a:lnTo>
-                    <a:pt x="1019735" y="0"/>
+                    <a:pt x="1016000" y="0"/>
                   </a:lnTo>
                   <a:close/>
                 </a:path>
@@ -515,14 +558,14 @@
         </p:sp>
         <p:sp>
           <p:nvSpPr>
-            <p:cNvPr id="30" name="Rectangle 29"/>
+            <p:cNvPr id="24" name="Freeform 23"/>
             <p:cNvSpPr/>
             <p:nvPr/>
           </p:nvSpPr>
           <p:spPr>
             <a:xfrm>
-              <a:off x="10938999" y="-8467"/>
-              <a:ext cx="1249825" cy="6866467"/>
+              <a:off x="8077231" y="-8468"/>
+              <a:ext cx="1066770" cy="6866467"/>
             </a:xfrm>
             <a:custGeom>
               <a:avLst/>
@@ -531,19 +574,21 @@
               <a:cxnLst/>
               <a:rect l="l" t="t" r="r" b="b"/>
               <a:pathLst>
-                <a:path w="1249825" h="6858000">
+                <a:path w="1270244" h="6866467">
                   <a:moveTo>
                     <a:pt x="0" y="0"/>
                   </a:moveTo>
                   <a:lnTo>
-                    <a:pt x="1249825" y="0"/>
+                    <a:pt x="1117600" y="6866467"/>
                   </a:lnTo>
                   <a:lnTo>
-                    <a:pt x="1249825" y="6858000"/>
+                    <a:pt x="1270000" y="6866467"/>
                   </a:lnTo>
-                  <a:lnTo>
-                    <a:pt x="1109382" y="6858000"/>
-                  </a:lnTo>
+                  <a:cubicBezTo>
+                    <a:pt x="1272822" y="4574822"/>
+                    <a:pt x="1250245" y="2291645"/>
+                    <a:pt x="1253067" y="0"/>
+                  </a:cubicBezTo>
                   <a:lnTo>
                     <a:pt x="0" y="0"/>
                   </a:lnTo>
@@ -578,20 +623,41 @@
         </p:sp>
         <p:sp>
           <p:nvSpPr>
-            <p:cNvPr id="31" name="Isosceles Triangle 30"/>
+            <p:cNvPr id="25" name="Freeform 24"/>
             <p:cNvSpPr/>
             <p:nvPr/>
           </p:nvSpPr>
           <p:spPr>
             <a:xfrm>
-              <a:off x="10371666" y="3589867"/>
-              <a:ext cx="1817159" cy="3268133"/>
+              <a:off x="8060297" y="4893733"/>
+              <a:ext cx="1094086" cy="1964267"/>
             </a:xfrm>
-            <a:prstGeom prst="triangle">
-              <a:avLst>
-                <a:gd name="adj" fmla="val 100000"/>
-              </a:avLst>
-            </a:prstGeom>
+            <a:custGeom>
+              <a:avLst/>
+              <a:gdLst/>
+              <a:ahLst/>
+              <a:cxnLst/>
+              <a:rect l="l" t="t" r="r" b="b"/>
+              <a:pathLst>
+                <a:path w="1820333" h="3268133">
+                  <a:moveTo>
+                    <a:pt x="0" y="3268133"/>
+                  </a:moveTo>
+                  <a:lnTo>
+                    <a:pt x="1811866" y="0"/>
+                  </a:lnTo>
+                  <a:cubicBezTo>
+                    <a:pt x="1814688" y="1086555"/>
+                    <a:pt x="1817511" y="2173111"/>
+                    <a:pt x="1820333" y="3259666"/>
+                  </a:cubicBezTo>
+                  <a:lnTo>
+                    <a:pt x="0" y="3268133"/>
+                  </a:lnTo>
+                  <a:close/>
+                </a:path>
+              </a:pathLst>
+            </a:custGeom>
             <a:solidFill>
               <a:schemeClr val="accent1">
                 <a:alpha val="80000"/>
@@ -619,20 +685,42 @@
         </p:sp>
         <p:sp>
           <p:nvSpPr>
-            <p:cNvPr id="19" name="Isosceles Triangle 18"/>
+            <p:cNvPr id="28" name="Freeform 27"/>
             <p:cNvSpPr/>
             <p:nvPr/>
           </p:nvSpPr>
           <p:spPr>
-            <a:xfrm rot="10800000">
-              <a:off x="0" y="0"/>
-              <a:ext cx="842596" cy="5666154"/>
+            <a:xfrm>
+              <a:off x="-8466" y="-8468"/>
+              <a:ext cx="863600" cy="5698067"/>
             </a:xfrm>
-            <a:prstGeom prst="triangle">
-              <a:avLst>
-                <a:gd name="adj" fmla="val 100000"/>
-              </a:avLst>
-            </a:prstGeom>
+            <a:custGeom>
+              <a:avLst/>
+              <a:gdLst/>
+              <a:ahLst/>
+              <a:cxnLst/>
+              <a:rect l="l" t="t" r="r" b="b"/>
+              <a:pathLst>
+                <a:path w="863600" h="5698067">
+                  <a:moveTo>
+                    <a:pt x="0" y="8467"/>
+                  </a:moveTo>
+                  <a:lnTo>
+                    <a:pt x="863600" y="0"/>
+                  </a:lnTo>
+                  <a:lnTo>
+                    <a:pt x="863600" y="16934"/>
+                  </a:lnTo>
+                  <a:lnTo>
+                    <a:pt x="0" y="5698067"/>
+                  </a:lnTo>
+                  <a:lnTo>
+                    <a:pt x="0" y="8467"/>
+                  </a:lnTo>
+                  <a:close/>
+                </a:path>
+              </a:pathLst>
+            </a:custGeom>
             <a:solidFill>
               <a:schemeClr val="accent1">
                 <a:alpha val="85000"/>
@@ -671,8 +759,8 @@
         </p:nvSpPr>
         <p:spPr>
           <a:xfrm>
-            <a:off x="1507067" y="2404534"/>
-            <a:ext cx="7766936" cy="1646302"/>
+            <a:off x="1130595" y="2404534"/>
+            <a:ext cx="5826719" cy="1646302"/>
           </a:xfrm>
         </p:spPr>
         <p:txBody>
@@ -709,8 +797,8 @@
         </p:nvSpPr>
         <p:spPr>
           <a:xfrm>
-            <a:off x="1507067" y="4050833"/>
-            <a:ext cx="7766936" cy="1096899"/>
+            <a:off x="1130595" y="4050834"/>
+            <a:ext cx="5826719" cy="1096899"/>
           </a:xfrm>
         </p:spPr>
         <p:txBody>
@@ -832,9 +920,9 @@
           <a:bodyPr/>
           <a:lstStyle/>
           <a:p>
-            <a:fld id="{6769A014-13B3-4C23-A667-8978C6763FA7}" type="datetimeFigureOut">
+            <a:fld id="{5BCAD085-E8A6-8845-BD4E-CB4CCA059FC4}" type="datetimeFigureOut">
               <a:rPr lang="en-US" smtClean="0"/>
-              <a:t>2/14/2025</a:t>
+              <a:t>2/15/2025</a:t>
             </a:fld>
             <a:endParaRPr lang="en-US"/>
           </a:p>
@@ -874,7 +962,7 @@
           <a:bodyPr/>
           <a:lstStyle/>
           <a:p>
-            <a:fld id="{4444DC50-583E-4F57-AF3C-5EED927424A0}" type="slidenum">
+            <a:fld id="{C1FF6DA9-008F-8B48-92A6-B652298478BF}" type="slidenum">
               <a:rPr lang="en-US" smtClean="0"/>
               <a:t>‹#›</a:t>
             </a:fld>
@@ -885,7 +973,7 @@
     </p:spTree>
     <p:extLst>
       <p:ext uri="{BB962C8B-B14F-4D97-AF65-F5344CB8AC3E}">
-        <p14:creationId xmlns:p14="http://schemas.microsoft.com/office/powerpoint/2010/main" val="1752234454"/>
+        <p14:creationId xmlns:p14="http://schemas.microsoft.com/office/powerpoint/2010/main" val="2909195070"/>
       </p:ext>
     </p:extLst>
   </p:cSld>
@@ -924,8 +1012,8 @@
         </p:nvSpPr>
         <p:spPr>
           <a:xfrm>
-            <a:off x="677335" y="609600"/>
-            <a:ext cx="8596668" cy="3403600"/>
+            <a:off x="609600" y="609600"/>
+            <a:ext cx="6347714" cy="3403600"/>
           </a:xfrm>
         </p:spPr>
         <p:txBody>
@@ -958,8 +1046,8 @@
         </p:nvSpPr>
         <p:spPr>
           <a:xfrm>
-            <a:off x="677335" y="4470400"/>
-            <a:ext cx="8596668" cy="1570962"/>
+            <a:off x="609600" y="4470400"/>
+            <a:ext cx="6347714" cy="1570962"/>
           </a:xfrm>
         </p:spPr>
         <p:txBody>
@@ -1083,9 +1171,9 @@
           <a:bodyPr/>
           <a:lstStyle/>
           <a:p>
-            <a:fld id="{6769A014-13B3-4C23-A667-8978C6763FA7}" type="datetimeFigureOut">
+            <a:fld id="{5BCAD085-E8A6-8845-BD4E-CB4CCA059FC4}" type="datetimeFigureOut">
               <a:rPr lang="en-US" smtClean="0"/>
-              <a:t>2/14/2025</a:t>
+              <a:t>2/15/2025</a:t>
             </a:fld>
             <a:endParaRPr lang="en-US"/>
           </a:p>
@@ -1125,7 +1213,7 @@
           <a:bodyPr/>
           <a:lstStyle/>
           <a:p>
-            <a:fld id="{4444DC50-583E-4F57-AF3C-5EED927424A0}" type="slidenum">
+            <a:fld id="{C1FF6DA9-008F-8B48-92A6-B652298478BF}" type="slidenum">
               <a:rPr lang="en-US" smtClean="0"/>
               <a:t>‹#›</a:t>
             </a:fld>
@@ -1136,7 +1224,7 @@
     </p:spTree>
     <p:extLst>
       <p:ext uri="{BB962C8B-B14F-4D97-AF65-F5344CB8AC3E}">
-        <p14:creationId xmlns:p14="http://schemas.microsoft.com/office/powerpoint/2010/main" val="3902796657"/>
+        <p14:creationId xmlns:p14="http://schemas.microsoft.com/office/powerpoint/2010/main" val="893229506"/>
       </p:ext>
     </p:extLst>
   </p:cSld>
@@ -1175,8 +1263,8 @@
         </p:nvSpPr>
         <p:spPr>
           <a:xfrm>
-            <a:off x="931334" y="609600"/>
-            <a:ext cx="8094134" cy="3022600"/>
+            <a:off x="774885" y="609600"/>
+            <a:ext cx="6072182" cy="3022600"/>
           </a:xfrm>
         </p:spPr>
         <p:txBody>
@@ -1209,8 +1297,8 @@
         </p:nvSpPr>
         <p:spPr>
           <a:xfrm>
-            <a:off x="1366139" y="3632200"/>
-            <a:ext cx="7224524" cy="381000"/>
+            <a:off x="1101074" y="3632200"/>
+            <a:ext cx="5419804" cy="381000"/>
           </a:xfrm>
         </p:spPr>
         <p:txBody>
@@ -1272,8 +1360,8 @@
         </p:nvSpPr>
         <p:spPr>
           <a:xfrm>
-            <a:off x="677335" y="4470400"/>
-            <a:ext cx="8596668" cy="1570962"/>
+            <a:off x="609598" y="4470400"/>
+            <a:ext cx="6347715" cy="1570962"/>
           </a:xfrm>
         </p:spPr>
         <p:txBody>
@@ -1397,9 +1485,9 @@
           <a:bodyPr/>
           <a:lstStyle/>
           <a:p>
-            <a:fld id="{6769A014-13B3-4C23-A667-8978C6763FA7}" type="datetimeFigureOut">
+            <a:fld id="{5BCAD085-E8A6-8845-BD4E-CB4CCA059FC4}" type="datetimeFigureOut">
               <a:rPr lang="en-US" smtClean="0"/>
-              <a:t>2/14/2025</a:t>
+              <a:t>2/15/2025</a:t>
             </a:fld>
             <a:endParaRPr lang="en-US"/>
           </a:p>
@@ -1439,7 +1527,7 @@
           <a:bodyPr/>
           <a:lstStyle/>
           <a:p>
-            <a:fld id="{4444DC50-583E-4F57-AF3C-5EED927424A0}" type="slidenum">
+            <a:fld id="{C1FF6DA9-008F-8B48-92A6-B652298478BF}" type="slidenum">
               <a:rPr lang="en-US" smtClean="0"/>
               <a:t>‹#›</a:t>
             </a:fld>
@@ -1449,14 +1537,14 @@
       </p:sp>
       <p:sp>
         <p:nvSpPr>
-          <p:cNvPr id="20" name="TextBox 19"/>
+          <p:cNvPr id="24" name="TextBox 23"/>
           <p:cNvSpPr txBox="1"/>
           <p:nvPr/>
         </p:nvSpPr>
         <p:spPr>
           <a:xfrm>
-            <a:off x="541870" y="790378"/>
-            <a:ext cx="609600" cy="584776"/>
+            <a:off x="482711" y="790378"/>
+            <a:ext cx="457319" cy="584776"/>
           </a:xfrm>
           <a:prstGeom prst="rect">
             <a:avLst/>
@@ -1490,14 +1578,14 @@
       </p:sp>
       <p:sp>
         <p:nvSpPr>
-          <p:cNvPr id="22" name="TextBox 21"/>
+          <p:cNvPr id="25" name="TextBox 24"/>
           <p:cNvSpPr txBox="1"/>
           <p:nvPr/>
         </p:nvSpPr>
         <p:spPr>
           <a:xfrm>
-            <a:off x="8893011" y="2886556"/>
-            <a:ext cx="609600" cy="584776"/>
+            <a:off x="6747699" y="2886556"/>
+            <a:ext cx="457319" cy="584776"/>
           </a:xfrm>
           <a:prstGeom prst="rect">
             <a:avLst/>
@@ -1521,26 +1609,18 @@
                     <a:lumOff val="40000"/>
                   </a:schemeClr>
                 </a:solidFill>
+                <a:effectLst/>
                 <a:latin typeface="Arial"/>
               </a:rPr>
               <a:t>”</a:t>
             </a:r>
-            <a:endParaRPr lang="en-US" dirty="0">
-              <a:solidFill>
-                <a:schemeClr val="accent1">
-                  <a:lumMod val="60000"/>
-                  <a:lumOff val="40000"/>
-                </a:schemeClr>
-              </a:solidFill>
-              <a:latin typeface="Arial"/>
-            </a:endParaRPr>
           </a:p>
         </p:txBody>
       </p:sp>
     </p:spTree>
     <p:extLst>
       <p:ext uri="{BB962C8B-B14F-4D97-AF65-F5344CB8AC3E}">
-        <p14:creationId xmlns:p14="http://schemas.microsoft.com/office/powerpoint/2010/main" val="2225163868"/>
+        <p14:creationId xmlns:p14="http://schemas.microsoft.com/office/powerpoint/2010/main" val="2079769550"/>
       </p:ext>
     </p:extLst>
   </p:cSld>
@@ -1579,8 +1659,8 @@
         </p:nvSpPr>
         <p:spPr>
           <a:xfrm>
-            <a:off x="677335" y="1931988"/>
-            <a:ext cx="8596668" cy="2595460"/>
+            <a:off x="609598" y="1931988"/>
+            <a:ext cx="6347715" cy="2595460"/>
           </a:xfrm>
         </p:spPr>
         <p:txBody>
@@ -1613,8 +1693,8 @@
         </p:nvSpPr>
         <p:spPr>
           <a:xfrm>
-            <a:off x="677335" y="4527448"/>
-            <a:ext cx="8596668" cy="1513914"/>
+            <a:off x="609598" y="4527448"/>
+            <a:ext cx="6347715" cy="1513914"/>
           </a:xfrm>
         </p:spPr>
         <p:txBody>
@@ -1738,9 +1818,9 @@
           <a:bodyPr/>
           <a:lstStyle/>
           <a:p>
-            <a:fld id="{6769A014-13B3-4C23-A667-8978C6763FA7}" type="datetimeFigureOut">
+            <a:fld id="{5BCAD085-E8A6-8845-BD4E-CB4CCA059FC4}" type="datetimeFigureOut">
               <a:rPr lang="en-US" smtClean="0"/>
-              <a:t>2/14/2025</a:t>
+              <a:t>2/15/2025</a:t>
             </a:fld>
             <a:endParaRPr lang="en-US"/>
           </a:p>
@@ -1780,7 +1860,7 @@
           <a:bodyPr/>
           <a:lstStyle/>
           <a:p>
-            <a:fld id="{4444DC50-583E-4F57-AF3C-5EED927424A0}" type="slidenum">
+            <a:fld id="{C1FF6DA9-008F-8B48-92A6-B652298478BF}" type="slidenum">
               <a:rPr lang="en-US" smtClean="0"/>
               <a:t>‹#›</a:t>
             </a:fld>
@@ -1791,7 +1871,7 @@
     </p:spTree>
     <p:extLst>
       <p:ext uri="{BB962C8B-B14F-4D97-AF65-F5344CB8AC3E}">
-        <p14:creationId xmlns:p14="http://schemas.microsoft.com/office/powerpoint/2010/main" val="3815544990"/>
+        <p14:creationId xmlns:p14="http://schemas.microsoft.com/office/powerpoint/2010/main" val="615963584"/>
       </p:ext>
     </p:extLst>
   </p:cSld>
@@ -1830,8 +1910,8 @@
         </p:nvSpPr>
         <p:spPr>
           <a:xfrm>
-            <a:off x="931334" y="609600"/>
-            <a:ext cx="8094134" cy="3022600"/>
+            <a:off x="774885" y="609600"/>
+            <a:ext cx="6072182" cy="3022600"/>
           </a:xfrm>
         </p:spPr>
         <p:txBody>
@@ -1864,8 +1944,8 @@
         </p:nvSpPr>
         <p:spPr>
           <a:xfrm>
-            <a:off x="677332" y="4013200"/>
-            <a:ext cx="8596669" cy="514248"/>
+            <a:off x="609597" y="4013200"/>
+            <a:ext cx="6347716" cy="514248"/>
           </a:xfrm>
         </p:spPr>
         <p:txBody>
@@ -1927,8 +2007,8 @@
         </p:nvSpPr>
         <p:spPr>
           <a:xfrm>
-            <a:off x="677335" y="4527448"/>
-            <a:ext cx="8596668" cy="1513914"/>
+            <a:off x="609598" y="4527448"/>
+            <a:ext cx="6347715" cy="1513914"/>
           </a:xfrm>
         </p:spPr>
         <p:txBody>
@@ -2052,9 +2132,9 @@
           <a:bodyPr/>
           <a:lstStyle/>
           <a:p>
-            <a:fld id="{6769A014-13B3-4C23-A667-8978C6763FA7}" type="datetimeFigureOut">
+            <a:fld id="{5BCAD085-E8A6-8845-BD4E-CB4CCA059FC4}" type="datetimeFigureOut">
               <a:rPr lang="en-US" smtClean="0"/>
-              <a:t>2/14/2025</a:t>
+              <a:t>2/15/2025</a:t>
             </a:fld>
             <a:endParaRPr lang="en-US"/>
           </a:p>
@@ -2094,7 +2174,7 @@
           <a:bodyPr/>
           <a:lstStyle/>
           <a:p>
-            <a:fld id="{4444DC50-583E-4F57-AF3C-5EED927424A0}" type="slidenum">
+            <a:fld id="{C1FF6DA9-008F-8B48-92A6-B652298478BF}" type="slidenum">
               <a:rPr lang="en-US" smtClean="0"/>
               <a:t>‹#›</a:t>
             </a:fld>
@@ -2110,8 +2190,8 @@
         </p:nvSpPr>
         <p:spPr>
           <a:xfrm>
-            <a:off x="541870" y="790378"/>
-            <a:ext cx="609600" cy="584776"/>
+            <a:off x="482711" y="790378"/>
+            <a:ext cx="457319" cy="584776"/>
           </a:xfrm>
           <a:prstGeom prst="rect">
             <a:avLst/>
@@ -2151,8 +2231,8 @@
         </p:nvSpPr>
         <p:spPr>
           <a:xfrm>
-            <a:off x="8893011" y="2886556"/>
-            <a:ext cx="609600" cy="584776"/>
+            <a:off x="6747699" y="2886556"/>
+            <a:ext cx="457319" cy="584776"/>
           </a:xfrm>
           <a:prstGeom prst="rect">
             <a:avLst/>
@@ -2187,7 +2267,7 @@
     </p:spTree>
     <p:extLst>
       <p:ext uri="{BB962C8B-B14F-4D97-AF65-F5344CB8AC3E}">
-        <p14:creationId xmlns:p14="http://schemas.microsoft.com/office/powerpoint/2010/main" val="3913415199"/>
+        <p14:creationId xmlns:p14="http://schemas.microsoft.com/office/powerpoint/2010/main" val="989139034"/>
       </p:ext>
     </p:extLst>
   </p:cSld>
@@ -2226,8 +2306,8 @@
         </p:nvSpPr>
         <p:spPr>
           <a:xfrm>
-            <a:off x="685799" y="609600"/>
-            <a:ext cx="8588203" cy="3022600"/>
+            <a:off x="615848" y="609600"/>
+            <a:ext cx="6341465" cy="3022600"/>
           </a:xfrm>
         </p:spPr>
         <p:txBody>
@@ -2260,8 +2340,8 @@
         </p:nvSpPr>
         <p:spPr>
           <a:xfrm>
-            <a:off x="677332" y="4013200"/>
-            <a:ext cx="8596669" cy="514248"/>
+            <a:off x="609597" y="4013200"/>
+            <a:ext cx="6347716" cy="514248"/>
           </a:xfrm>
         </p:spPr>
         <p:txBody>
@@ -2320,8 +2400,8 @@
         </p:nvSpPr>
         <p:spPr>
           <a:xfrm>
-            <a:off x="677335" y="4527448"/>
-            <a:ext cx="8596668" cy="1513914"/>
+            <a:off x="609598" y="4527448"/>
+            <a:ext cx="6347715" cy="1513914"/>
           </a:xfrm>
         </p:spPr>
         <p:txBody>
@@ -2445,9 +2525,9 @@
           <a:bodyPr/>
           <a:lstStyle/>
           <a:p>
-            <a:fld id="{6769A014-13B3-4C23-A667-8978C6763FA7}" type="datetimeFigureOut">
+            <a:fld id="{5BCAD085-E8A6-8845-BD4E-CB4CCA059FC4}" type="datetimeFigureOut">
               <a:rPr lang="en-US" smtClean="0"/>
-              <a:t>2/14/2025</a:t>
+              <a:t>2/15/2025</a:t>
             </a:fld>
             <a:endParaRPr lang="en-US"/>
           </a:p>
@@ -2487,7 +2567,7 @@
           <a:bodyPr/>
           <a:lstStyle/>
           <a:p>
-            <a:fld id="{4444DC50-583E-4F57-AF3C-5EED927424A0}" type="slidenum">
+            <a:fld id="{C1FF6DA9-008F-8B48-92A6-B652298478BF}" type="slidenum">
               <a:rPr lang="en-US" smtClean="0"/>
               <a:t>‹#›</a:t>
             </a:fld>
@@ -2498,7 +2578,7 @@
     </p:spTree>
     <p:extLst>
       <p:ext uri="{BB962C8B-B14F-4D97-AF65-F5344CB8AC3E}">
-        <p14:creationId xmlns:p14="http://schemas.microsoft.com/office/powerpoint/2010/main" val="159331329"/>
+        <p14:creationId xmlns:p14="http://schemas.microsoft.com/office/powerpoint/2010/main" val="2896765231"/>
       </p:ext>
     </p:extLst>
   </p:cSld>
@@ -2615,9 +2695,9 @@
           <a:bodyPr/>
           <a:lstStyle/>
           <a:p>
-            <a:fld id="{6769A014-13B3-4C23-A667-8978C6763FA7}" type="datetimeFigureOut">
+            <a:fld id="{5BCAD085-E8A6-8845-BD4E-CB4CCA059FC4}" type="datetimeFigureOut">
               <a:rPr lang="en-US" smtClean="0"/>
-              <a:t>2/14/2025</a:t>
+              <a:t>2/15/2025</a:t>
             </a:fld>
             <a:endParaRPr lang="en-US"/>
           </a:p>
@@ -2657,7 +2737,7 @@
           <a:bodyPr/>
           <a:lstStyle/>
           <a:p>
-            <a:fld id="{4444DC50-583E-4F57-AF3C-5EED927424A0}" type="slidenum">
+            <a:fld id="{C1FF6DA9-008F-8B48-92A6-B652298478BF}" type="slidenum">
               <a:rPr lang="en-US" smtClean="0"/>
               <a:t>‹#›</a:t>
             </a:fld>
@@ -2668,7 +2748,7 @@
     </p:spTree>
     <p:extLst>
       <p:ext uri="{BB962C8B-B14F-4D97-AF65-F5344CB8AC3E}">
-        <p14:creationId xmlns:p14="http://schemas.microsoft.com/office/powerpoint/2010/main" val="2223778214"/>
+        <p14:creationId xmlns:p14="http://schemas.microsoft.com/office/powerpoint/2010/main" val="4102099621"/>
       </p:ext>
     </p:extLst>
   </p:cSld>
@@ -2707,8 +2787,8 @@
         </p:nvSpPr>
         <p:spPr>
           <a:xfrm>
-            <a:off x="7967673" y="609599"/>
-            <a:ext cx="1304743" cy="5251451"/>
+            <a:off x="5977312" y="609600"/>
+            <a:ext cx="978812" cy="5251451"/>
           </a:xfrm>
         </p:spPr>
         <p:txBody>
@@ -2735,8 +2815,8 @@
         </p:nvSpPr>
         <p:spPr>
           <a:xfrm>
-            <a:off x="677335" y="609600"/>
-            <a:ext cx="7060150" cy="5251450"/>
+            <a:off x="609599" y="609600"/>
+            <a:ext cx="5195026" cy="5251451"/>
           </a:xfrm>
         </p:spPr>
         <p:txBody>
@@ -2795,9 +2875,9 @@
           <a:bodyPr/>
           <a:lstStyle/>
           <a:p>
-            <a:fld id="{6769A014-13B3-4C23-A667-8978C6763FA7}" type="datetimeFigureOut">
+            <a:fld id="{5BCAD085-E8A6-8845-BD4E-CB4CCA059FC4}" type="datetimeFigureOut">
               <a:rPr lang="en-US" smtClean="0"/>
-              <a:t>2/14/2025</a:t>
+              <a:t>2/15/2025</a:t>
             </a:fld>
             <a:endParaRPr lang="en-US"/>
           </a:p>
@@ -2837,7 +2917,7 @@
           <a:bodyPr/>
           <a:lstStyle/>
           <a:p>
-            <a:fld id="{4444DC50-583E-4F57-AF3C-5EED927424A0}" type="slidenum">
+            <a:fld id="{C1FF6DA9-008F-8B48-92A6-B652298478BF}" type="slidenum">
               <a:rPr lang="en-US" smtClean="0"/>
               <a:t>‹#›</a:t>
             </a:fld>
@@ -2848,7 +2928,7 @@
     </p:spTree>
     <p:extLst>
       <p:ext uri="{BB962C8B-B14F-4D97-AF65-F5344CB8AC3E}">
-        <p14:creationId xmlns:p14="http://schemas.microsoft.com/office/powerpoint/2010/main" val="1420982563"/>
+        <p14:creationId xmlns:p14="http://schemas.microsoft.com/office/powerpoint/2010/main" val="649156329"/>
       </p:ext>
     </p:extLst>
   </p:cSld>
@@ -2887,14 +2967,8 @@
         </p:nvSpPr>
         <p:spPr/>
         <p:txBody>
-          <a:bodyPr>
-            <a:normAutofit/>
-          </a:bodyPr>
-          <a:lstStyle>
-            <a:lvl1pPr>
-              <a:defRPr sz="3600"/>
-            </a:lvl1pPr>
-          </a:lstStyle>
+          <a:bodyPr/>
+          <a:lstStyle/>
           <a:p>
             <a:r>
               <a:rPr lang="ru-RU" smtClean="0"/>
@@ -2971,9 +3045,9 @@
           <a:bodyPr/>
           <a:lstStyle/>
           <a:p>
-            <a:fld id="{6769A014-13B3-4C23-A667-8978C6763FA7}" type="datetimeFigureOut">
+            <a:fld id="{5BCAD085-E8A6-8845-BD4E-CB4CCA059FC4}" type="datetimeFigureOut">
               <a:rPr lang="en-US" smtClean="0"/>
-              <a:t>2/14/2025</a:t>
+              <a:t>2/15/2025</a:t>
             </a:fld>
             <a:endParaRPr lang="en-US"/>
           </a:p>
@@ -3013,7 +3087,7 @@
           <a:bodyPr/>
           <a:lstStyle/>
           <a:p>
-            <a:fld id="{4444DC50-583E-4F57-AF3C-5EED927424A0}" type="slidenum">
+            <a:fld id="{C1FF6DA9-008F-8B48-92A6-B652298478BF}" type="slidenum">
               <a:rPr lang="en-US" smtClean="0"/>
               <a:t>‹#›</a:t>
             </a:fld>
@@ -3024,7 +3098,7 @@
     </p:spTree>
     <p:extLst>
       <p:ext uri="{BB962C8B-B14F-4D97-AF65-F5344CB8AC3E}">
-        <p14:creationId xmlns:p14="http://schemas.microsoft.com/office/powerpoint/2010/main" val="1438568925"/>
+        <p14:creationId xmlns:p14="http://schemas.microsoft.com/office/powerpoint/2010/main" val="3299162120"/>
       </p:ext>
     </p:extLst>
   </p:cSld>
@@ -3063,8 +3137,8 @@
         </p:nvSpPr>
         <p:spPr>
           <a:xfrm>
-            <a:off x="677335" y="2700867"/>
-            <a:ext cx="8596668" cy="1826581"/>
+            <a:off x="609598" y="2700868"/>
+            <a:ext cx="6347715" cy="1826581"/>
           </a:xfrm>
         </p:spPr>
         <p:txBody>
@@ -3095,8 +3169,8 @@
         </p:nvSpPr>
         <p:spPr>
           <a:xfrm>
-            <a:off x="677335" y="4527448"/>
-            <a:ext cx="8596668" cy="860400"/>
+            <a:off x="609598" y="4527448"/>
+            <a:ext cx="6347715" cy="860400"/>
           </a:xfrm>
         </p:spPr>
         <p:txBody>
@@ -3218,9 +3292,9 @@
           <a:bodyPr/>
           <a:lstStyle/>
           <a:p>
-            <a:fld id="{6769A014-13B3-4C23-A667-8978C6763FA7}" type="datetimeFigureOut">
+            <a:fld id="{5BCAD085-E8A6-8845-BD4E-CB4CCA059FC4}" type="datetimeFigureOut">
               <a:rPr lang="en-US" smtClean="0"/>
-              <a:t>2/14/2025</a:t>
+              <a:t>2/15/2025</a:t>
             </a:fld>
             <a:endParaRPr lang="en-US"/>
           </a:p>
@@ -3260,7 +3334,7 @@
           <a:bodyPr/>
           <a:lstStyle/>
           <a:p>
-            <a:fld id="{4444DC50-583E-4F57-AF3C-5EED927424A0}" type="slidenum">
+            <a:fld id="{C1FF6DA9-008F-8B48-92A6-B652298478BF}" type="slidenum">
               <a:rPr lang="en-US" smtClean="0"/>
               <a:t>‹#›</a:t>
             </a:fld>
@@ -3271,7 +3345,7 @@
     </p:spTree>
     <p:extLst>
       <p:ext uri="{BB962C8B-B14F-4D97-AF65-F5344CB8AC3E}">
-        <p14:creationId xmlns:p14="http://schemas.microsoft.com/office/powerpoint/2010/main" val="2795648162"/>
+        <p14:creationId xmlns:p14="http://schemas.microsoft.com/office/powerpoint/2010/main" val="2903193874"/>
       </p:ext>
     </p:extLst>
   </p:cSld>
@@ -3308,71 +3382,19 @@
             <p:ph type="title"/>
           </p:nvPr>
         </p:nvSpPr>
-        <p:spPr/>
-        <p:txBody>
-          <a:bodyPr/>
-          <a:lstStyle/>
-          <a:p>
-            <a:r>
-              <a:rPr lang="ru-RU" smtClean="0"/>
-              <a:t>Образец заголовка</a:t>
-            </a:r>
-            <a:endParaRPr lang="en-US" dirty="0"/>
-          </a:p>
-        </p:txBody>
-      </p:sp>
-      <p:sp>
-        <p:nvSpPr>
-          <p:cNvPr id="3" name="Content Placeholder 2"/>
-          <p:cNvSpPr>
-            <a:spLocks noGrp="1"/>
-          </p:cNvSpPr>
-          <p:nvPr>
-            <p:ph sz="half" idx="1"/>
-          </p:nvPr>
-        </p:nvSpPr>
         <p:spPr>
           <a:xfrm>
-            <a:off x="677334" y="2160589"/>
-            <a:ext cx="4184035" cy="3880772"/>
+            <a:off x="609600" y="609600"/>
+            <a:ext cx="6347714" cy="1320800"/>
           </a:xfrm>
         </p:spPr>
         <p:txBody>
           <a:bodyPr/>
           <a:lstStyle/>
           <a:p>
-            <a:pPr lvl="0"/>
-            <a:r>
-              <a:rPr lang="ru-RU" smtClean="0"/>
-              <a:t>Образец текста</a:t>
-            </a:r>
-          </a:p>
-          <a:p>
-            <a:pPr lvl="1"/>
-            <a:r>
-              <a:rPr lang="ru-RU" smtClean="0"/>
-              <a:t>Второй уровень</a:t>
-            </a:r>
-          </a:p>
-          <a:p>
-            <a:pPr lvl="2"/>
-            <a:r>
-              <a:rPr lang="ru-RU" smtClean="0"/>
-              <a:t>Третий уровень</a:t>
-            </a:r>
-          </a:p>
-          <a:p>
-            <a:pPr lvl="3"/>
-            <a:r>
-              <a:rPr lang="ru-RU" smtClean="0"/>
-              <a:t>Четвертый уровень</a:t>
-            </a:r>
-          </a:p>
-          <a:p>
-            <a:pPr lvl="4"/>
-            <a:r>
-              <a:rPr lang="ru-RU" smtClean="0"/>
-              <a:t>Пятый уровень</a:t>
+            <a:r>
+              <a:rPr lang="ru-RU" smtClean="0"/>
+              <a:t>Образец заголовка</a:t>
             </a:r>
             <a:endParaRPr lang="en-US" dirty="0"/>
           </a:p>
@@ -3380,79 +3402,196 @@
       </p:sp>
       <p:sp>
         <p:nvSpPr>
-          <p:cNvPr id="4" name="Content Placeholder 3"/>
-          <p:cNvSpPr>
-            <a:spLocks noGrp="1"/>
-          </p:cNvSpPr>
-          <p:nvPr>
-            <p:ph sz="half" idx="2"/>
+          <p:cNvPr id="3" name="Content Placeholder 2"/>
+          <p:cNvSpPr>
+            <a:spLocks noGrp="1"/>
+          </p:cNvSpPr>
+          <p:nvPr>
+            <p:ph sz="half" idx="1"/>
           </p:nvPr>
         </p:nvSpPr>
         <p:spPr>
           <a:xfrm>
-            <a:off x="5089970" y="2160589"/>
-            <a:ext cx="4184034" cy="3880773"/>
+            <a:off x="609600" y="2160589"/>
+            <a:ext cx="3088109" cy="3880772"/>
           </a:xfrm>
         </p:spPr>
         <p:txBody>
+          <a:bodyPr>
+            <a:normAutofit/>
+          </a:bodyPr>
+          <a:lstStyle>
+            <a:lvl1pPr>
+              <a:defRPr sz="1800"/>
+            </a:lvl1pPr>
+            <a:lvl2pPr>
+              <a:defRPr sz="1600"/>
+            </a:lvl2pPr>
+            <a:lvl3pPr>
+              <a:defRPr sz="1400"/>
+            </a:lvl3pPr>
+            <a:lvl4pPr>
+              <a:defRPr sz="1200"/>
+            </a:lvl4pPr>
+            <a:lvl5pPr>
+              <a:defRPr sz="1200"/>
+            </a:lvl5pPr>
+            <a:lvl6pPr>
+              <a:defRPr sz="1200"/>
+            </a:lvl6pPr>
+            <a:lvl7pPr>
+              <a:defRPr sz="1200"/>
+            </a:lvl7pPr>
+            <a:lvl8pPr>
+              <a:defRPr sz="1200"/>
+            </a:lvl8pPr>
+            <a:lvl9pPr>
+              <a:defRPr sz="1200"/>
+            </a:lvl9pPr>
+          </a:lstStyle>
+          <a:p>
+            <a:pPr lvl="0"/>
+            <a:r>
+              <a:rPr lang="ru-RU" smtClean="0"/>
+              <a:t>Образец текста</a:t>
+            </a:r>
+          </a:p>
+          <a:p>
+            <a:pPr lvl="1"/>
+            <a:r>
+              <a:rPr lang="ru-RU" smtClean="0"/>
+              <a:t>Второй уровень</a:t>
+            </a:r>
+          </a:p>
+          <a:p>
+            <a:pPr lvl="2"/>
+            <a:r>
+              <a:rPr lang="ru-RU" smtClean="0"/>
+              <a:t>Третий уровень</a:t>
+            </a:r>
+          </a:p>
+          <a:p>
+            <a:pPr lvl="3"/>
+            <a:r>
+              <a:rPr lang="ru-RU" smtClean="0"/>
+              <a:t>Четвертый уровень</a:t>
+            </a:r>
+          </a:p>
+          <a:p>
+            <a:pPr lvl="4"/>
+            <a:r>
+              <a:rPr lang="ru-RU" smtClean="0"/>
+              <a:t>Пятый уровень</a:t>
+            </a:r>
+            <a:endParaRPr lang="en-US" dirty="0"/>
+          </a:p>
+        </p:txBody>
+      </p:sp>
+      <p:sp>
+        <p:nvSpPr>
+          <p:cNvPr id="4" name="Content Placeholder 3"/>
+          <p:cNvSpPr>
+            <a:spLocks noGrp="1"/>
+          </p:cNvSpPr>
+          <p:nvPr>
+            <p:ph sz="half" idx="2"/>
+          </p:nvPr>
+        </p:nvSpPr>
+        <p:spPr>
+          <a:xfrm>
+            <a:off x="3869204" y="2160590"/>
+            <a:ext cx="3088110" cy="3880773"/>
+          </a:xfrm>
+        </p:spPr>
+        <p:txBody>
+          <a:bodyPr>
+            <a:normAutofit/>
+          </a:bodyPr>
+          <a:lstStyle>
+            <a:lvl1pPr>
+              <a:defRPr sz="1800"/>
+            </a:lvl1pPr>
+            <a:lvl2pPr>
+              <a:defRPr sz="1600"/>
+            </a:lvl2pPr>
+            <a:lvl3pPr>
+              <a:defRPr sz="1400"/>
+            </a:lvl3pPr>
+            <a:lvl4pPr>
+              <a:defRPr sz="1200"/>
+            </a:lvl4pPr>
+            <a:lvl5pPr>
+              <a:defRPr sz="1200"/>
+            </a:lvl5pPr>
+            <a:lvl6pPr>
+              <a:defRPr sz="1200"/>
+            </a:lvl6pPr>
+            <a:lvl7pPr>
+              <a:defRPr sz="1200"/>
+            </a:lvl7pPr>
+            <a:lvl8pPr>
+              <a:defRPr sz="1200"/>
+            </a:lvl8pPr>
+            <a:lvl9pPr>
+              <a:defRPr sz="1200"/>
+            </a:lvl9pPr>
+          </a:lstStyle>
+          <a:p>
+            <a:pPr lvl="0"/>
+            <a:r>
+              <a:rPr lang="ru-RU" smtClean="0"/>
+              <a:t>Образец текста</a:t>
+            </a:r>
+          </a:p>
+          <a:p>
+            <a:pPr lvl="1"/>
+            <a:r>
+              <a:rPr lang="ru-RU" smtClean="0"/>
+              <a:t>Второй уровень</a:t>
+            </a:r>
+          </a:p>
+          <a:p>
+            <a:pPr lvl="2"/>
+            <a:r>
+              <a:rPr lang="ru-RU" smtClean="0"/>
+              <a:t>Третий уровень</a:t>
+            </a:r>
+          </a:p>
+          <a:p>
+            <a:pPr lvl="3"/>
+            <a:r>
+              <a:rPr lang="ru-RU" smtClean="0"/>
+              <a:t>Четвертый уровень</a:t>
+            </a:r>
+          </a:p>
+          <a:p>
+            <a:pPr lvl="4"/>
+            <a:r>
+              <a:rPr lang="ru-RU" smtClean="0"/>
+              <a:t>Пятый уровень</a:t>
+            </a:r>
+            <a:endParaRPr lang="en-US" dirty="0"/>
+          </a:p>
+        </p:txBody>
+      </p:sp>
+      <p:sp>
+        <p:nvSpPr>
+          <p:cNvPr id="5" name="Date Placeholder 4"/>
+          <p:cNvSpPr>
+            <a:spLocks noGrp="1"/>
+          </p:cNvSpPr>
+          <p:nvPr>
+            <p:ph type="dt" sz="half" idx="10"/>
+          </p:nvPr>
+        </p:nvSpPr>
+        <p:spPr/>
+        <p:txBody>
           <a:bodyPr/>
           <a:lstStyle/>
           <a:p>
-            <a:pPr lvl="0"/>
-            <a:r>
-              <a:rPr lang="ru-RU" smtClean="0"/>
-              <a:t>Образец текста</a:t>
-            </a:r>
-          </a:p>
-          <a:p>
-            <a:pPr lvl="1"/>
-            <a:r>
-              <a:rPr lang="ru-RU" smtClean="0"/>
-              <a:t>Второй уровень</a:t>
-            </a:r>
-          </a:p>
-          <a:p>
-            <a:pPr lvl="2"/>
-            <a:r>
-              <a:rPr lang="ru-RU" smtClean="0"/>
-              <a:t>Третий уровень</a:t>
-            </a:r>
-          </a:p>
-          <a:p>
-            <a:pPr lvl="3"/>
-            <a:r>
-              <a:rPr lang="ru-RU" smtClean="0"/>
-              <a:t>Четвертый уровень</a:t>
-            </a:r>
-          </a:p>
-          <a:p>
-            <a:pPr lvl="4"/>
-            <a:r>
-              <a:rPr lang="ru-RU" smtClean="0"/>
-              <a:t>Пятый уровень</a:t>
-            </a:r>
-            <a:endParaRPr lang="en-US" dirty="0"/>
-          </a:p>
-        </p:txBody>
-      </p:sp>
-      <p:sp>
-        <p:nvSpPr>
-          <p:cNvPr id="5" name="Date Placeholder 4"/>
-          <p:cNvSpPr>
-            <a:spLocks noGrp="1"/>
-          </p:cNvSpPr>
-          <p:nvPr>
-            <p:ph type="dt" sz="half" idx="10"/>
-          </p:nvPr>
-        </p:nvSpPr>
-        <p:spPr/>
-        <p:txBody>
-          <a:bodyPr/>
-          <a:lstStyle/>
-          <a:p>
-            <a:fld id="{6769A014-13B3-4C23-A667-8978C6763FA7}" type="datetimeFigureOut">
+            <a:fld id="{5BCAD085-E8A6-8845-BD4E-CB4CCA059FC4}" type="datetimeFigureOut">
               <a:rPr lang="en-US" smtClean="0"/>
-              <a:t>2/14/2025</a:t>
+              <a:t>2/15/2025</a:t>
             </a:fld>
             <a:endParaRPr lang="en-US"/>
           </a:p>
@@ -3492,7 +3631,7 @@
           <a:bodyPr/>
           <a:lstStyle/>
           <a:p>
-            <a:fld id="{4444DC50-583E-4F57-AF3C-5EED927424A0}" type="slidenum">
+            <a:fld id="{C1FF6DA9-008F-8B48-92A6-B652298478BF}" type="slidenum">
               <a:rPr lang="en-US" smtClean="0"/>
               <a:t>‹#›</a:t>
             </a:fld>
@@ -3503,7 +3642,7 @@
     </p:spTree>
     <p:extLst>
       <p:ext uri="{BB962C8B-B14F-4D97-AF65-F5344CB8AC3E}">
-        <p14:creationId xmlns:p14="http://schemas.microsoft.com/office/powerpoint/2010/main" val="4183984646"/>
+        <p14:creationId xmlns:p14="http://schemas.microsoft.com/office/powerpoint/2010/main" val="998920129"/>
       </p:ext>
     </p:extLst>
   </p:cSld>
@@ -3540,7 +3679,12 @@
             <p:ph type="title"/>
           </p:nvPr>
         </p:nvSpPr>
-        <p:spPr/>
+        <p:spPr>
+          <a:xfrm>
+            <a:off x="609599" y="609600"/>
+            <a:ext cx="6347713" cy="1320800"/>
+          </a:xfrm>
+        </p:spPr>
         <p:txBody>
           <a:bodyPr/>
           <a:lstStyle>
@@ -3569,8 +3713,8 @@
         </p:nvSpPr>
         <p:spPr>
           <a:xfrm>
-            <a:off x="675745" y="2160983"/>
-            <a:ext cx="4185623" cy="576262"/>
+            <a:off x="609599" y="2160983"/>
+            <a:ext cx="3090672" cy="576262"/>
           </a:xfrm>
         </p:spPr>
         <p:txBody>
@@ -3636,8 +3780,8 @@
         </p:nvSpPr>
         <p:spPr>
           <a:xfrm>
-            <a:off x="675745" y="2737245"/>
-            <a:ext cx="4185623" cy="3304117"/>
+            <a:off x="609599" y="2737246"/>
+            <a:ext cx="3090672" cy="3304117"/>
           </a:xfrm>
         </p:spPr>
         <p:txBody>
@@ -3695,8 +3839,8 @@
         </p:nvSpPr>
         <p:spPr>
           <a:xfrm>
-            <a:off x="5088383" y="2160983"/>
-            <a:ext cx="4185618" cy="576262"/>
+            <a:off x="3866640" y="2160983"/>
+            <a:ext cx="3090672" cy="576262"/>
           </a:xfrm>
         </p:spPr>
         <p:txBody>
@@ -3762,8 +3906,8 @@
         </p:nvSpPr>
         <p:spPr>
           <a:xfrm>
-            <a:off x="5088384" y="2737245"/>
-            <a:ext cx="4185617" cy="3304117"/>
+            <a:off x="3866640" y="2737246"/>
+            <a:ext cx="3090672" cy="3304117"/>
           </a:xfrm>
         </p:spPr>
         <p:txBody>
@@ -3824,9 +3968,9 @@
           <a:bodyPr/>
           <a:lstStyle/>
           <a:p>
-            <a:fld id="{6769A014-13B3-4C23-A667-8978C6763FA7}" type="datetimeFigureOut">
+            <a:fld id="{5BCAD085-E8A6-8845-BD4E-CB4CCA059FC4}" type="datetimeFigureOut">
               <a:rPr lang="en-US" smtClean="0"/>
-              <a:t>2/14/2025</a:t>
+              <a:t>2/15/2025</a:t>
             </a:fld>
             <a:endParaRPr lang="en-US"/>
           </a:p>
@@ -3866,7 +4010,7 @@
           <a:bodyPr/>
           <a:lstStyle/>
           <a:p>
-            <a:fld id="{4444DC50-583E-4F57-AF3C-5EED927424A0}" type="slidenum">
+            <a:fld id="{C1FF6DA9-008F-8B48-92A6-B652298478BF}" type="slidenum">
               <a:rPr lang="en-US" smtClean="0"/>
               <a:t>‹#›</a:t>
             </a:fld>
@@ -3877,7 +4021,7 @@
     </p:spTree>
     <p:extLst>
       <p:ext uri="{BB962C8B-B14F-4D97-AF65-F5344CB8AC3E}">
-        <p14:creationId xmlns:p14="http://schemas.microsoft.com/office/powerpoint/2010/main" val="2395624887"/>
+        <p14:creationId xmlns:p14="http://schemas.microsoft.com/office/powerpoint/2010/main" val="1859333369"/>
       </p:ext>
     </p:extLst>
   </p:cSld>
@@ -3916,8 +4060,8 @@
         </p:nvSpPr>
         <p:spPr>
           <a:xfrm>
-            <a:off x="677334" y="609600"/>
-            <a:ext cx="8596668" cy="1320800"/>
+            <a:off x="609599" y="609600"/>
+            <a:ext cx="6347714" cy="1320800"/>
           </a:xfrm>
         </p:spPr>
         <p:txBody>
@@ -3947,9 +4091,9 @@
           <a:bodyPr/>
           <a:lstStyle/>
           <a:p>
-            <a:fld id="{6769A014-13B3-4C23-A667-8978C6763FA7}" type="datetimeFigureOut">
+            <a:fld id="{5BCAD085-E8A6-8845-BD4E-CB4CCA059FC4}" type="datetimeFigureOut">
               <a:rPr lang="en-US" smtClean="0"/>
-              <a:t>2/14/2025</a:t>
+              <a:t>2/15/2025</a:t>
             </a:fld>
             <a:endParaRPr lang="en-US"/>
           </a:p>
@@ -3989,7 +4133,7 @@
           <a:bodyPr/>
           <a:lstStyle/>
           <a:p>
-            <a:fld id="{4444DC50-583E-4F57-AF3C-5EED927424A0}" type="slidenum">
+            <a:fld id="{C1FF6DA9-008F-8B48-92A6-B652298478BF}" type="slidenum">
               <a:rPr lang="en-US" smtClean="0"/>
               <a:t>‹#›</a:t>
             </a:fld>
@@ -4000,7 +4144,7 @@
     </p:spTree>
     <p:extLst>
       <p:ext uri="{BB962C8B-B14F-4D97-AF65-F5344CB8AC3E}">
-        <p14:creationId xmlns:p14="http://schemas.microsoft.com/office/powerpoint/2010/main" val="3713798441"/>
+        <p14:creationId xmlns:p14="http://schemas.microsoft.com/office/powerpoint/2010/main" val="508951335"/>
       </p:ext>
     </p:extLst>
   </p:cSld>
@@ -4042,9 +4186,9 @@
           <a:bodyPr/>
           <a:lstStyle/>
           <a:p>
-            <a:fld id="{6769A014-13B3-4C23-A667-8978C6763FA7}" type="datetimeFigureOut">
+            <a:fld id="{5BCAD085-E8A6-8845-BD4E-CB4CCA059FC4}" type="datetimeFigureOut">
               <a:rPr lang="en-US" smtClean="0"/>
-              <a:t>2/14/2025</a:t>
+              <a:t>2/15/2025</a:t>
             </a:fld>
             <a:endParaRPr lang="en-US"/>
           </a:p>
@@ -4084,7 +4228,7 @@
           <a:bodyPr/>
           <a:lstStyle/>
           <a:p>
-            <a:fld id="{4444DC50-583E-4F57-AF3C-5EED927424A0}" type="slidenum">
+            <a:fld id="{C1FF6DA9-008F-8B48-92A6-B652298478BF}" type="slidenum">
               <a:rPr lang="en-US" smtClean="0"/>
               <a:t>‹#›</a:t>
             </a:fld>
@@ -4095,7 +4239,7 @@
     </p:spTree>
     <p:extLst>
       <p:ext uri="{BB962C8B-B14F-4D97-AF65-F5344CB8AC3E}">
-        <p14:creationId xmlns:p14="http://schemas.microsoft.com/office/powerpoint/2010/main" val="3410579239"/>
+        <p14:creationId xmlns:p14="http://schemas.microsoft.com/office/powerpoint/2010/main" val="3514853335"/>
       </p:ext>
     </p:extLst>
   </p:cSld>
@@ -4134,8 +4278,8 @@
         </p:nvSpPr>
         <p:spPr>
           <a:xfrm>
-            <a:off x="677334" y="1498604"/>
-            <a:ext cx="3854528" cy="1278466"/>
+            <a:off x="609599" y="1498604"/>
+            <a:ext cx="2790182" cy="1278466"/>
           </a:xfrm>
         </p:spPr>
         <p:txBody>
@@ -4168,8 +4312,8 @@
         </p:nvSpPr>
         <p:spPr>
           <a:xfrm>
-            <a:off x="4760461" y="514924"/>
-            <a:ext cx="4513541" cy="5526437"/>
+            <a:off x="3571275" y="514925"/>
+            <a:ext cx="3386037" cy="5526437"/>
           </a:xfrm>
         </p:spPr>
         <p:txBody>
@@ -4227,8 +4371,8 @@
         </p:nvSpPr>
         <p:spPr>
           <a:xfrm>
-            <a:off x="677334" y="2777069"/>
-            <a:ext cx="3854528" cy="2584449"/>
+            <a:off x="609599" y="2777069"/>
+            <a:ext cx="2790182" cy="2584449"/>
           </a:xfrm>
         </p:spPr>
         <p:txBody>
@@ -4240,37 +4384,37 @@
               <a:buNone/>
               <a:defRPr sz="1400"/>
             </a:lvl1pPr>
-            <a:lvl2pPr marL="457063" indent="0">
-              <a:buNone/>
-              <a:defRPr sz="1400"/>
+            <a:lvl2pPr marL="342900" indent="0">
+              <a:buNone/>
+              <a:defRPr sz="1050"/>
             </a:lvl2pPr>
-            <a:lvl3pPr marL="914126" indent="0">
-              <a:buNone/>
-              <a:defRPr sz="1200"/>
+            <a:lvl3pPr marL="685800" indent="0">
+              <a:buNone/>
+              <a:defRPr sz="900"/>
             </a:lvl3pPr>
-            <a:lvl4pPr marL="1371189" indent="0">
-              <a:buNone/>
-              <a:defRPr sz="1000"/>
+            <a:lvl4pPr marL="1028700" indent="0">
+              <a:buNone/>
+              <a:defRPr sz="750"/>
             </a:lvl4pPr>
-            <a:lvl5pPr marL="1828251" indent="0">
-              <a:buNone/>
-              <a:defRPr sz="1000"/>
+            <a:lvl5pPr marL="1371600" indent="0">
+              <a:buNone/>
+              <a:defRPr sz="750"/>
             </a:lvl5pPr>
-            <a:lvl6pPr marL="2285314" indent="0">
-              <a:buNone/>
-              <a:defRPr sz="1000"/>
+            <a:lvl6pPr marL="1714500" indent="0">
+              <a:buNone/>
+              <a:defRPr sz="750"/>
             </a:lvl6pPr>
-            <a:lvl7pPr marL="2742377" indent="0">
-              <a:buNone/>
-              <a:defRPr sz="1000"/>
+            <a:lvl7pPr marL="2057400" indent="0">
+              <a:buNone/>
+              <a:defRPr sz="750"/>
             </a:lvl7pPr>
-            <a:lvl8pPr marL="3199440" indent="0">
-              <a:buNone/>
-              <a:defRPr sz="1000"/>
+            <a:lvl8pPr marL="2400300" indent="0">
+              <a:buNone/>
+              <a:defRPr sz="750"/>
             </a:lvl8pPr>
-            <a:lvl9pPr marL="3656503" indent="0">
-              <a:buNone/>
-              <a:defRPr sz="1000"/>
+            <a:lvl9pPr marL="2743200" indent="0">
+              <a:buNone/>
+              <a:defRPr sz="750"/>
             </a:lvl9pPr>
           </a:lstStyle>
           <a:p>
@@ -4297,9 +4441,9 @@
           <a:bodyPr/>
           <a:lstStyle/>
           <a:p>
-            <a:fld id="{6769A014-13B3-4C23-A667-8978C6763FA7}" type="datetimeFigureOut">
+            <a:fld id="{5BCAD085-E8A6-8845-BD4E-CB4CCA059FC4}" type="datetimeFigureOut">
               <a:rPr lang="en-US" smtClean="0"/>
-              <a:t>2/14/2025</a:t>
+              <a:t>2/15/2025</a:t>
             </a:fld>
             <a:endParaRPr lang="en-US"/>
           </a:p>
@@ -4339,7 +4483,7 @@
           <a:bodyPr/>
           <a:lstStyle/>
           <a:p>
-            <a:fld id="{4444DC50-583E-4F57-AF3C-5EED927424A0}" type="slidenum">
+            <a:fld id="{C1FF6DA9-008F-8B48-92A6-B652298478BF}" type="slidenum">
               <a:rPr lang="en-US" smtClean="0"/>
               <a:t>‹#›</a:t>
             </a:fld>
@@ -4350,7 +4494,7 @@
     </p:spTree>
     <p:extLst>
       <p:ext uri="{BB962C8B-B14F-4D97-AF65-F5344CB8AC3E}">
-        <p14:creationId xmlns:p14="http://schemas.microsoft.com/office/powerpoint/2010/main" val="2025947971"/>
+        <p14:creationId xmlns:p14="http://schemas.microsoft.com/office/powerpoint/2010/main" val="1481464885"/>
       </p:ext>
     </p:extLst>
   </p:cSld>
@@ -4389,8 +4533,8 @@
         </p:nvSpPr>
         <p:spPr>
           <a:xfrm>
-            <a:off x="677334" y="4800600"/>
-            <a:ext cx="8596667" cy="566738"/>
+            <a:off x="609599" y="4800600"/>
+            <a:ext cx="6347714" cy="566738"/>
           </a:xfrm>
         </p:spPr>
         <p:txBody>
@@ -4423,8 +4567,8 @@
         </p:nvSpPr>
         <p:spPr>
           <a:xfrm>
-            <a:off x="677334" y="609600"/>
-            <a:ext cx="8596668" cy="3845718"/>
+            <a:off x="609599" y="609600"/>
+            <a:ext cx="6347714" cy="3845718"/>
           </a:xfrm>
         </p:spPr>
         <p:txBody>
@@ -4490,8 +4634,8 @@
         </p:nvSpPr>
         <p:spPr>
           <a:xfrm>
-            <a:off x="677334" y="5367338"/>
-            <a:ext cx="8596667" cy="674024"/>
+            <a:off x="609599" y="5367338"/>
+            <a:ext cx="6347714" cy="674024"/>
           </a:xfrm>
         </p:spPr>
         <p:txBody>
@@ -4560,9 +4704,9 @@
           <a:bodyPr/>
           <a:lstStyle/>
           <a:p>
-            <a:fld id="{6769A014-13B3-4C23-A667-8978C6763FA7}" type="datetimeFigureOut">
+            <a:fld id="{5BCAD085-E8A6-8845-BD4E-CB4CCA059FC4}" type="datetimeFigureOut">
               <a:rPr lang="en-US" smtClean="0"/>
-              <a:t>2/14/2025</a:t>
+              <a:t>2/15/2025</a:t>
             </a:fld>
             <a:endParaRPr lang="en-US"/>
           </a:p>
@@ -4602,7 +4746,7 @@
           <a:bodyPr/>
           <a:lstStyle/>
           <a:p>
-            <a:fld id="{4444DC50-583E-4F57-AF3C-5EED927424A0}" type="slidenum">
+            <a:fld id="{C1FF6DA9-008F-8B48-92A6-B652298478BF}" type="slidenum">
               <a:rPr lang="en-US" smtClean="0"/>
               <a:t>‹#›</a:t>
             </a:fld>
@@ -4613,7 +4757,7 @@
     </p:spTree>
     <p:extLst>
       <p:ext uri="{BB962C8B-B14F-4D97-AF65-F5344CB8AC3E}">
-        <p14:creationId xmlns:p14="http://schemas.microsoft.com/office/powerpoint/2010/main" val="2251894178"/>
+        <p14:creationId xmlns:p14="http://schemas.microsoft.com/office/powerpoint/2010/main" val="695016528"/>
       </p:ext>
     </p:extLst>
   </p:cSld>
@@ -4647,27 +4791,126 @@
       </p:grpSpPr>
       <p:grpSp>
         <p:nvGrpSpPr>
-          <p:cNvPr id="7" name="Group 6"/>
+          <p:cNvPr id="17" name="Group 16"/>
           <p:cNvGrpSpPr/>
           <p:nvPr/>
         </p:nvGrpSpPr>
         <p:grpSpPr>
           <a:xfrm>
-            <a:off x="0" y="-8467"/>
-            <a:ext cx="12192000" cy="6866467"/>
-            <a:chOff x="0" y="-8467"/>
-            <a:chExt cx="12192000" cy="6866467"/>
+            <a:off x="-8467" y="-8468"/>
+            <a:ext cx="9169805" cy="6874935"/>
+            <a:chOff x="-8467" y="-8468"/>
+            <a:chExt cx="9169805" cy="6874935"/>
           </a:xfrm>
         </p:grpSpPr>
+        <p:sp>
+          <p:nvSpPr>
+            <p:cNvPr id="7" name="Freeform 6"/>
+            <p:cNvSpPr/>
+            <p:nvPr/>
+          </p:nvSpPr>
+          <p:spPr>
+            <a:xfrm>
+              <a:off x="-8467" y="4013200"/>
+              <a:ext cx="457200" cy="2853267"/>
+            </a:xfrm>
+            <a:custGeom>
+              <a:avLst/>
+              <a:gdLst/>
+              <a:ahLst/>
+              <a:cxnLst/>
+              <a:rect l="l" t="t" r="r" b="b"/>
+              <a:pathLst>
+                <a:path w="457200" h="2853267">
+                  <a:moveTo>
+                    <a:pt x="0" y="0"/>
+                  </a:moveTo>
+                  <a:lnTo>
+                    <a:pt x="457200" y="2853267"/>
+                  </a:lnTo>
+                  <a:lnTo>
+                    <a:pt x="0" y="2844800"/>
+                  </a:lnTo>
+                  <a:cubicBezTo>
+                    <a:pt x="2822" y="1905000"/>
+                    <a:pt x="5645" y="965200"/>
+                    <a:pt x="0" y="0"/>
+                  </a:cubicBezTo>
+                  <a:close/>
+                </a:path>
+              </a:pathLst>
+            </a:custGeom>
+            <a:solidFill>
+              <a:schemeClr val="accent1">
+                <a:alpha val="85000"/>
+              </a:schemeClr>
+            </a:solidFill>
+            <a:ln>
+              <a:noFill/>
+            </a:ln>
+            <a:effectLst/>
+          </p:spPr>
+          <p:style>
+            <a:lnRef idx="1">
+              <a:schemeClr val="accent1"/>
+            </a:lnRef>
+            <a:fillRef idx="3">
+              <a:schemeClr val="accent1"/>
+            </a:fillRef>
+            <a:effectRef idx="2">
+              <a:schemeClr val="accent1"/>
+            </a:effectRef>
+            <a:fontRef idx="minor">
+              <a:schemeClr val="lt1"/>
+            </a:fontRef>
+          </p:style>
+        </p:sp>
         <p:cxnSp>
           <p:nvCxnSpPr>
-            <p:cNvPr id="20" name="Straight Connector 19"/>
+            <p:cNvPr id="8" name="Straight Connector 7"/>
+            <p:cNvCxnSpPr/>
+            <p:nvPr/>
+          </p:nvCxnSpPr>
+          <p:spPr>
+            <a:xfrm flipV="1">
+              <a:off x="5130830" y="4175605"/>
+              <a:ext cx="4022475" cy="2682396"/>
+            </a:xfrm>
+            <a:prstGeom prst="line">
+              <a:avLst/>
+            </a:prstGeom>
+            <a:ln w="9525">
+              <a:solidFill>
+                <a:schemeClr val="bg1">
+                  <a:lumMod val="85000"/>
+                </a:schemeClr>
+              </a:solidFill>
+            </a:ln>
+          </p:spPr>
+          <p:style>
+            <a:lnRef idx="2">
+              <a:schemeClr val="accent1"/>
+            </a:lnRef>
+            <a:fillRef idx="0">
+              <a:schemeClr val="accent1"/>
+            </a:fillRef>
+            <a:effectRef idx="1">
+              <a:schemeClr val="accent1"/>
+            </a:effectRef>
+            <a:fontRef idx="minor">
+              <a:schemeClr val="tx1"/>
+            </a:fontRef>
+          </p:style>
+        </p:cxnSp>
+        <p:cxnSp>
+          <p:nvCxnSpPr>
+            <p:cNvPr id="9" name="Straight Connector 8"/>
             <p:cNvCxnSpPr/>
             <p:nvPr/>
           </p:nvCxnSpPr>
           <p:spPr>
             <a:xfrm>
-              <a:off x="9371012" y="0"/>
+              <a:off x="7042707" y="0"/>
               <a:ext cx="1219200" cy="6858000"/>
             </a:xfrm>
             <a:prstGeom prst="line">
@@ -4696,53 +4939,16 @@
             </a:fontRef>
           </p:style>
         </p:cxnSp>
-        <p:cxnSp>
-          <p:nvCxnSpPr>
-            <p:cNvPr id="21" name="Straight Connector 20"/>
-            <p:cNvCxnSpPr/>
-            <p:nvPr/>
-          </p:nvCxnSpPr>
-          <p:spPr>
-            <a:xfrm flipH="1">
-              <a:off x="7425267" y="3681413"/>
-              <a:ext cx="4763558" cy="3176587"/>
-            </a:xfrm>
-            <a:prstGeom prst="line">
-              <a:avLst/>
-            </a:prstGeom>
-            <a:ln w="9525">
-              <a:solidFill>
-                <a:schemeClr val="bg1">
-                  <a:lumMod val="85000"/>
-                </a:schemeClr>
-              </a:solidFill>
-            </a:ln>
-          </p:spPr>
-          <p:style>
-            <a:lnRef idx="2">
-              <a:schemeClr val="accent1"/>
-            </a:lnRef>
-            <a:fillRef idx="0">
-              <a:schemeClr val="accent1"/>
-            </a:fillRef>
-            <a:effectRef idx="1">
-              <a:schemeClr val="accent1"/>
-            </a:effectRef>
-            <a:fontRef idx="minor">
-              <a:schemeClr val="tx1"/>
-            </a:fontRef>
-          </p:style>
-        </p:cxnSp>
         <p:sp>
           <p:nvSpPr>
-            <p:cNvPr id="22" name="Rectangle 23"/>
+            <p:cNvPr id="10" name="Freeform 9"/>
             <p:cNvSpPr/>
             <p:nvPr/>
           </p:nvSpPr>
           <p:spPr>
             <a:xfrm>
-              <a:off x="9181476" y="-8467"/>
-              <a:ext cx="3007349" cy="6866467"/>
+              <a:off x="6891896" y="1"/>
+              <a:ext cx="2269442" cy="6866466"/>
             </a:xfrm>
             <a:custGeom>
               <a:avLst/>
@@ -4751,21 +4957,23 @@
               <a:cxnLst/>
               <a:rect l="l" t="t" r="r" b="b"/>
               <a:pathLst>
-                <a:path w="3007349" h="6866467">
+                <a:path w="2269442" h="6866466">
                   <a:moveTo>
-                    <a:pt x="2045532" y="0"/>
+                    <a:pt x="2023534" y="0"/>
                   </a:moveTo>
                   <a:lnTo>
-                    <a:pt x="3007349" y="0"/>
+                    <a:pt x="0" y="6858000"/>
                   </a:lnTo>
                   <a:lnTo>
-                    <a:pt x="3007349" y="6866467"/>
+                    <a:pt x="2269067" y="6866466"/>
                   </a:lnTo>
+                  <a:cubicBezTo>
+                    <a:pt x="2271889" y="4580466"/>
+                    <a:pt x="2257778" y="2294466"/>
+                    <a:pt x="2260600" y="8466"/>
+                  </a:cubicBezTo>
                   <a:lnTo>
-                    <a:pt x="0" y="6866467"/>
-                  </a:lnTo>
-                  <a:lnTo>
-                    <a:pt x="2045532" y="0"/>
+                    <a:pt x="2023534" y="0"/>
                   </a:lnTo>
                   <a:close/>
                 </a:path>
@@ -4798,14 +5006,14 @@
         </p:sp>
         <p:sp>
           <p:nvSpPr>
-            <p:cNvPr id="23" name="Rectangle 25"/>
+            <p:cNvPr id="11" name="Freeform 10"/>
             <p:cNvSpPr/>
             <p:nvPr/>
           </p:nvSpPr>
           <p:spPr>
             <a:xfrm>
-              <a:off x="9603442" y="-8467"/>
-              <a:ext cx="2588558" cy="6866467"/>
+              <a:off x="7205158" y="-8467"/>
+              <a:ext cx="1948147" cy="6866467"/>
             </a:xfrm>
             <a:custGeom>
               <a:avLst/>
@@ -4814,19 +5022,21 @@
               <a:cxnLst/>
               <a:rect l="l" t="t" r="r" b="b"/>
               <a:pathLst>
-                <a:path w="2573311" h="6866467">
+                <a:path w="1948147" h="6866467">
                   <a:moveTo>
                     <a:pt x="0" y="0"/>
                   </a:moveTo>
                   <a:lnTo>
-                    <a:pt x="2573311" y="0"/>
+                    <a:pt x="1202267" y="6866467"/>
                   </a:lnTo>
                   <a:lnTo>
-                    <a:pt x="2573311" y="6866467"/>
+                    <a:pt x="1947333" y="6866467"/>
                   </a:lnTo>
-                  <a:lnTo>
-                    <a:pt x="1202336" y="6866467"/>
-                  </a:lnTo>
+                  <a:cubicBezTo>
+                    <a:pt x="1944511" y="4577645"/>
+                    <a:pt x="1950155" y="2288822"/>
+                    <a:pt x="1947333" y="0"/>
+                  </a:cubicBezTo>
                   <a:lnTo>
                     <a:pt x="0" y="0"/>
                   </a:lnTo>
@@ -4861,20 +5071,41 @@
         </p:sp>
         <p:sp>
           <p:nvSpPr>
-            <p:cNvPr id="24" name="Isosceles Triangle 23"/>
+            <p:cNvPr id="12" name="Freeform 11"/>
             <p:cNvSpPr/>
             <p:nvPr/>
           </p:nvSpPr>
           <p:spPr>
             <a:xfrm>
-              <a:off x="8932333" y="3048000"/>
-              <a:ext cx="3259667" cy="3810000"/>
+              <a:off x="6637896" y="3920066"/>
+              <a:ext cx="2513565" cy="2937933"/>
             </a:xfrm>
-            <a:prstGeom prst="triangle">
-              <a:avLst>
-                <a:gd name="adj" fmla="val 100000"/>
-              </a:avLst>
-            </a:prstGeom>
+            <a:custGeom>
+              <a:avLst/>
+              <a:gdLst/>
+              <a:ahLst/>
+              <a:cxnLst/>
+              <a:rect l="l" t="t" r="r" b="b"/>
+              <a:pathLst>
+                <a:path w="3259667" h="3810000">
+                  <a:moveTo>
+                    <a:pt x="0" y="3810000"/>
+                  </a:moveTo>
+                  <a:lnTo>
+                    <a:pt x="3251200" y="0"/>
+                  </a:lnTo>
+                  <a:cubicBezTo>
+                    <a:pt x="3254022" y="1270000"/>
+                    <a:pt x="3256845" y="2540000"/>
+                    <a:pt x="3259667" y="3810000"/>
+                  </a:cubicBezTo>
+                  <a:lnTo>
+                    <a:pt x="0" y="3810000"/>
+                  </a:lnTo>
+                  <a:close/>
+                </a:path>
+              </a:pathLst>
+            </a:custGeom>
             <a:solidFill>
               <a:schemeClr val="accent2">
                 <a:alpha val="72000"/>
@@ -4902,14 +5133,14 @@
         </p:sp>
         <p:sp>
           <p:nvSpPr>
-            <p:cNvPr id="25" name="Rectangle 27"/>
+            <p:cNvPr id="13" name="Freeform 12"/>
             <p:cNvSpPr/>
             <p:nvPr/>
           </p:nvSpPr>
           <p:spPr>
             <a:xfrm>
-              <a:off x="9334500" y="-8467"/>
-              <a:ext cx="2854326" cy="6866467"/>
+              <a:off x="7010429" y="-8467"/>
+              <a:ext cx="2142876" cy="6866467"/>
             </a:xfrm>
             <a:custGeom>
               <a:avLst/>
@@ -4918,18 +5149,18 @@
               <a:cxnLst/>
               <a:rect l="l" t="t" r="r" b="b"/>
               <a:pathLst>
-                <a:path w="2858013" h="6866467">
+                <a:path w="2853267" h="6866467">
                   <a:moveTo>
                     <a:pt x="0" y="0"/>
                   </a:moveTo>
                   <a:lnTo>
-                    <a:pt x="2858013" y="0"/>
+                    <a:pt x="2472267" y="6866467"/>
                   </a:lnTo>
                   <a:lnTo>
-                    <a:pt x="2858013" y="6866467"/>
+                    <a:pt x="2853267" y="6858000"/>
                   </a:lnTo>
                   <a:lnTo>
-                    <a:pt x="2473942" y="6866467"/>
+                    <a:pt x="2853267" y="0"/>
                   </a:lnTo>
                   <a:lnTo>
                     <a:pt x="0" y="0"/>
@@ -4966,14 +5197,14 @@
         </p:sp>
         <p:sp>
           <p:nvSpPr>
-            <p:cNvPr id="26" name="Rectangle 28"/>
+            <p:cNvPr id="14" name="Freeform 13"/>
             <p:cNvSpPr/>
             <p:nvPr/>
           </p:nvSpPr>
           <p:spPr>
             <a:xfrm>
-              <a:off x="10898730" y="-8467"/>
-              <a:ext cx="1290094" cy="6866467"/>
+              <a:off x="8295776" y="-8467"/>
+              <a:ext cx="857530" cy="6866467"/>
             </a:xfrm>
             <a:custGeom>
               <a:avLst/>
@@ -4982,21 +5213,23 @@
               <a:cxnLst/>
               <a:rect l="l" t="t" r="r" b="b"/>
               <a:pathLst>
-                <a:path w="1290094" h="6858000">
+                <a:path w="1286933" h="6866467">
                   <a:moveTo>
-                    <a:pt x="1019735" y="0"/>
+                    <a:pt x="1016000" y="0"/>
                   </a:moveTo>
                   <a:lnTo>
-                    <a:pt x="1290094" y="0"/>
+                    <a:pt x="0" y="6866467"/>
                   </a:lnTo>
                   <a:lnTo>
-                    <a:pt x="1290094" y="6858000"/>
+                    <a:pt x="1286933" y="6866467"/>
                   </a:lnTo>
+                  <a:cubicBezTo>
+                    <a:pt x="1284111" y="4577645"/>
+                    <a:pt x="1281288" y="2288822"/>
+                    <a:pt x="1278466" y="0"/>
+                  </a:cubicBezTo>
                   <a:lnTo>
-                    <a:pt x="0" y="6858000"/>
-                  </a:lnTo>
-                  <a:lnTo>
-                    <a:pt x="1019735" y="0"/>
+                    <a:pt x="1016000" y="0"/>
                   </a:lnTo>
                   <a:close/>
                 </a:path>
@@ -5031,14 +5264,14 @@
         </p:sp>
         <p:sp>
           <p:nvSpPr>
-            <p:cNvPr id="27" name="Rectangle 29"/>
+            <p:cNvPr id="15" name="Freeform 14"/>
             <p:cNvSpPr/>
             <p:nvPr/>
           </p:nvSpPr>
           <p:spPr>
             <a:xfrm>
-              <a:off x="10938999" y="-8467"/>
-              <a:ext cx="1249825" cy="6866467"/>
+              <a:off x="8077231" y="-8468"/>
+              <a:ext cx="1066770" cy="6866467"/>
             </a:xfrm>
             <a:custGeom>
               <a:avLst/>
@@ -5047,19 +5280,21 @@
               <a:cxnLst/>
               <a:rect l="l" t="t" r="r" b="b"/>
               <a:pathLst>
-                <a:path w="1249825" h="6858000">
+                <a:path w="1270244" h="6866467">
                   <a:moveTo>
                     <a:pt x="0" y="0"/>
                   </a:moveTo>
                   <a:lnTo>
-                    <a:pt x="1249825" y="0"/>
+                    <a:pt x="1117600" y="6866467"/>
                   </a:lnTo>
                   <a:lnTo>
-                    <a:pt x="1249825" y="6858000"/>
+                    <a:pt x="1270000" y="6866467"/>
                   </a:lnTo>
-                  <a:lnTo>
-                    <a:pt x="1109382" y="6858000"/>
-                  </a:lnTo>
+                  <a:cubicBezTo>
+                    <a:pt x="1272822" y="4574822"/>
+                    <a:pt x="1250245" y="2291645"/>
+                    <a:pt x="1253067" y="0"/>
+                  </a:cubicBezTo>
                   <a:lnTo>
                     <a:pt x="0" y="0"/>
                   </a:lnTo>
@@ -5094,20 +5329,41 @@
         </p:sp>
         <p:sp>
           <p:nvSpPr>
-            <p:cNvPr id="28" name="Isosceles Triangle 27"/>
+            <p:cNvPr id="16" name="Freeform 15"/>
             <p:cNvSpPr/>
             <p:nvPr/>
           </p:nvSpPr>
           <p:spPr>
             <a:xfrm>
-              <a:off x="10371666" y="3589867"/>
-              <a:ext cx="1817159" cy="3268133"/>
+              <a:off x="8060297" y="4893733"/>
+              <a:ext cx="1094086" cy="1964267"/>
             </a:xfrm>
-            <a:prstGeom prst="triangle">
-              <a:avLst>
-                <a:gd name="adj" fmla="val 100000"/>
-              </a:avLst>
-            </a:prstGeom>
+            <a:custGeom>
+              <a:avLst/>
+              <a:gdLst/>
+              <a:ahLst/>
+              <a:cxnLst/>
+              <a:rect l="l" t="t" r="r" b="b"/>
+              <a:pathLst>
+                <a:path w="1820333" h="3268133">
+                  <a:moveTo>
+                    <a:pt x="0" y="3268133"/>
+                  </a:moveTo>
+                  <a:lnTo>
+                    <a:pt x="1811866" y="0"/>
+                  </a:lnTo>
+                  <a:cubicBezTo>
+                    <a:pt x="1814688" y="1086555"/>
+                    <a:pt x="1817511" y="2173111"/>
+                    <a:pt x="1820333" y="3259666"/>
+                  </a:cubicBezTo>
+                  <a:lnTo>
+                    <a:pt x="0" y="3268133"/>
+                  </a:lnTo>
+                  <a:close/>
+                </a:path>
+              </a:pathLst>
+            </a:custGeom>
             <a:solidFill>
               <a:schemeClr val="accent1">
                 <a:alpha val="80000"/>
@@ -5133,47 +5389,6 @@
             </a:fontRef>
           </p:style>
         </p:sp>
-        <p:sp>
-          <p:nvSpPr>
-            <p:cNvPr id="29" name="Isosceles Triangle 28"/>
-            <p:cNvSpPr/>
-            <p:nvPr/>
-          </p:nvSpPr>
-          <p:spPr>
-            <a:xfrm>
-              <a:off x="0" y="4013200"/>
-              <a:ext cx="448733" cy="2844800"/>
-            </a:xfrm>
-            <a:prstGeom prst="triangle">
-              <a:avLst>
-                <a:gd name="adj" fmla="val 0"/>
-              </a:avLst>
-            </a:prstGeom>
-            <a:solidFill>
-              <a:schemeClr val="accent1">
-                <a:alpha val="85000"/>
-              </a:schemeClr>
-            </a:solidFill>
-            <a:ln>
-              <a:noFill/>
-            </a:ln>
-            <a:effectLst/>
-          </p:spPr>
-          <p:style>
-            <a:lnRef idx="1">
-              <a:schemeClr val="accent1"/>
-            </a:lnRef>
-            <a:fillRef idx="3">
-              <a:schemeClr val="accent1"/>
-            </a:fillRef>
-            <a:effectRef idx="2">
-              <a:schemeClr val="accent1"/>
-            </a:effectRef>
-            <a:fontRef idx="minor">
-              <a:schemeClr val="lt1"/>
-            </a:fontRef>
-          </p:style>
-        </p:sp>
       </p:grpSp>
       <p:sp>
         <p:nvSpPr>
@@ -5187,8 +5402,8 @@
         </p:nvSpPr>
         <p:spPr>
           <a:xfrm>
-            <a:off x="677334" y="609600"/>
-            <a:ext cx="8596668" cy="1320800"/>
+            <a:off x="609599" y="609600"/>
+            <a:ext cx="6347713" cy="1320800"/>
           </a:xfrm>
           <a:prstGeom prst="rect">
             <a:avLst/>
@@ -5220,8 +5435,8 @@
         </p:nvSpPr>
         <p:spPr>
           <a:xfrm>
-            <a:off x="677334" y="2160589"/>
-            <a:ext cx="8596668" cy="3880773"/>
+            <a:off x="609599" y="2160590"/>
+            <a:ext cx="6347714" cy="3880773"/>
           </a:xfrm>
           <a:prstGeom prst="rect">
             <a:avLst/>
@@ -5282,8 +5497,8 @@
         </p:nvSpPr>
         <p:spPr>
           <a:xfrm>
-            <a:off x="7205133" y="6041362"/>
-            <a:ext cx="911939" cy="365125"/>
+            <a:off x="5405258" y="6041363"/>
+            <a:ext cx="684132" cy="365125"/>
           </a:xfrm>
           <a:prstGeom prst="rect">
             <a:avLst/>
@@ -5303,9 +5518,9 @@
             </a:lvl1pPr>
           </a:lstStyle>
           <a:p>
-            <a:fld id="{6769A014-13B3-4C23-A667-8978C6763FA7}" type="datetimeFigureOut">
+            <a:fld id="{5BCAD085-E8A6-8845-BD4E-CB4CCA059FC4}" type="datetimeFigureOut">
               <a:rPr lang="en-US" smtClean="0"/>
-              <a:t>2/14/2025</a:t>
+              <a:t>2/15/2025</a:t>
             </a:fld>
             <a:endParaRPr lang="en-US"/>
           </a:p>
@@ -5323,8 +5538,8 @@
         </p:nvSpPr>
         <p:spPr>
           <a:xfrm>
-            <a:off x="677334" y="6041362"/>
-            <a:ext cx="6297612" cy="365125"/>
+            <a:off x="609599" y="6041363"/>
+            <a:ext cx="4622973" cy="365125"/>
           </a:xfrm>
           <a:prstGeom prst="rect">
             <a:avLst/>
@@ -5360,8 +5575,8 @@
         </p:nvSpPr>
         <p:spPr>
           <a:xfrm>
-            <a:off x="8590663" y="6041362"/>
-            <a:ext cx="683339" cy="365125"/>
+            <a:off x="6444676" y="6041363"/>
+            <a:ext cx="512638" cy="365125"/>
           </a:xfrm>
           <a:prstGeom prst="rect">
             <a:avLst/>
@@ -5379,7 +5594,7 @@
             </a:lvl1pPr>
           </a:lstStyle>
           <a:p>
-            <a:fld id="{4444DC50-583E-4F57-AF3C-5EED927424A0}" type="slidenum">
+            <a:fld id="{C1FF6DA9-008F-8B48-92A6-B652298478BF}" type="slidenum">
               <a:rPr lang="en-US" smtClean="0"/>
               <a:t>‹#›</a:t>
             </a:fld>
@@ -5390,28 +5605,28 @@
     </p:spTree>
     <p:extLst>
       <p:ext uri="{BB962C8B-B14F-4D97-AF65-F5344CB8AC3E}">
-        <p14:creationId xmlns:p14="http://schemas.microsoft.com/office/powerpoint/2010/main" val="3209508204"/>
+        <p14:creationId xmlns:p14="http://schemas.microsoft.com/office/powerpoint/2010/main" val="1544766078"/>
       </p:ext>
     </p:extLst>
   </p:cSld>
   <p:clrMap bg1="lt1" tx1="dk1" bg2="lt2" tx2="dk2" accent1="accent1" accent2="accent2" accent3="accent3" accent4="accent4" accent5="accent5" accent6="accent6" hlink="hlink" folHlink="folHlink"/>
   <p:sldLayoutIdLst>
-    <p:sldLayoutId id="2147483661" r:id="rId1"/>
-    <p:sldLayoutId id="2147483662" r:id="rId2"/>
-    <p:sldLayoutId id="2147483663" r:id="rId3"/>
-    <p:sldLayoutId id="2147483664" r:id="rId4"/>
-    <p:sldLayoutId id="2147483665" r:id="rId5"/>
-    <p:sldLayoutId id="2147483666" r:id="rId6"/>
-    <p:sldLayoutId id="2147483667" r:id="rId7"/>
-    <p:sldLayoutId id="2147483668" r:id="rId8"/>
-    <p:sldLayoutId id="2147483669" r:id="rId9"/>
-    <p:sldLayoutId id="2147483670" r:id="rId10"/>
-    <p:sldLayoutId id="2147483671" r:id="rId11"/>
-    <p:sldLayoutId id="2147483672" r:id="rId12"/>
-    <p:sldLayoutId id="2147483673" r:id="rId13"/>
-    <p:sldLayoutId id="2147483674" r:id="rId14"/>
-    <p:sldLayoutId id="2147483675" r:id="rId15"/>
-    <p:sldLayoutId id="2147483676" r:id="rId16"/>
+    <p:sldLayoutId id="2147483691" r:id="rId1"/>
+    <p:sldLayoutId id="2147483692" r:id="rId2"/>
+    <p:sldLayoutId id="2147483693" r:id="rId3"/>
+    <p:sldLayoutId id="2147483694" r:id="rId4"/>
+    <p:sldLayoutId id="2147483695" r:id="rId5"/>
+    <p:sldLayoutId id="2147483696" r:id="rId6"/>
+    <p:sldLayoutId id="2147483697" r:id="rId7"/>
+    <p:sldLayoutId id="2147483698" r:id="rId8"/>
+    <p:sldLayoutId id="2147483699" r:id="rId9"/>
+    <p:sldLayoutId id="2147483700" r:id="rId10"/>
+    <p:sldLayoutId id="2147483701" r:id="rId11"/>
+    <p:sldLayoutId id="2147483702" r:id="rId12"/>
+    <p:sldLayoutId id="2147483703" r:id="rId13"/>
+    <p:sldLayoutId id="2147483704" r:id="rId14"/>
+    <p:sldLayoutId id="2147483705" r:id="rId15"/>
+    <p:sldLayoutId id="2147483706" r:id="rId16"/>
   </p:sldLayoutIdLst>
   <p:txStyles>
     <p:titleStyle>
@@ -5870,7 +6085,7 @@
     </p:spTree>
     <p:extLst>
       <p:ext uri="{BB962C8B-B14F-4D97-AF65-F5344CB8AC3E}">
-        <p14:creationId xmlns:p14="http://schemas.microsoft.com/office/powerpoint/2010/main" val="127232269"/>
+        <p14:creationId xmlns:p14="http://schemas.microsoft.com/office/powerpoint/2010/main" val="103014621"/>
       </p:ext>
     </p:extLst>
   </p:cSld>
@@ -5931,14 +6146,14 @@
           <a:bodyPr/>
           <a:lstStyle/>
           <a:p>
-            <a:endParaRPr lang="en-US"/>
+            <a:endParaRPr lang="en-US" dirty="0"/>
           </a:p>
         </p:txBody>
       </p:sp>
     </p:spTree>
     <p:extLst>
       <p:ext uri="{BB962C8B-B14F-4D97-AF65-F5344CB8AC3E}">
-        <p14:creationId xmlns:p14="http://schemas.microsoft.com/office/powerpoint/2010/main" val="503423285"/>
+        <p14:creationId xmlns:p14="http://schemas.microsoft.com/office/powerpoint/2010/main" val="1245805705"/>
       </p:ext>
     </p:extLst>
   </p:cSld>
@@ -6006,7 +6221,7 @@
     </p:spTree>
     <p:extLst>
       <p:ext uri="{BB962C8B-B14F-4D97-AF65-F5344CB8AC3E}">
-        <p14:creationId xmlns:p14="http://schemas.microsoft.com/office/powerpoint/2010/main" val="1948832193"/>
+        <p14:creationId xmlns:p14="http://schemas.microsoft.com/office/powerpoint/2010/main" val="3409960023"/>
       </p:ext>
     </p:extLst>
   </p:cSld>
@@ -6074,7 +6289,7 @@
     </p:spTree>
     <p:extLst>
       <p:ext uri="{BB962C8B-B14F-4D97-AF65-F5344CB8AC3E}">
-        <p14:creationId xmlns:p14="http://schemas.microsoft.com/office/powerpoint/2010/main" val="661879835"/>
+        <p14:creationId xmlns:p14="http://schemas.microsoft.com/office/powerpoint/2010/main" val="2305679394"/>
       </p:ext>
     </p:extLst>
   </p:cSld>
@@ -6142,7 +6357,7 @@
     </p:spTree>
     <p:extLst>
       <p:ext uri="{BB962C8B-B14F-4D97-AF65-F5344CB8AC3E}">
-        <p14:creationId xmlns:p14="http://schemas.microsoft.com/office/powerpoint/2010/main" val="3028810748"/>
+        <p14:creationId xmlns:p14="http://schemas.microsoft.com/office/powerpoint/2010/main" val="3354004207"/>
       </p:ext>
     </p:extLst>
   </p:cSld>
@@ -6210,7 +6425,7 @@
     </p:spTree>
     <p:extLst>
       <p:ext uri="{BB962C8B-B14F-4D97-AF65-F5344CB8AC3E}">
-        <p14:creationId xmlns:p14="http://schemas.microsoft.com/office/powerpoint/2010/main" val="1126861848"/>
+        <p14:creationId xmlns:p14="http://schemas.microsoft.com/office/powerpoint/2010/main" val="4017090132"/>
       </p:ext>
     </p:extLst>
   </p:cSld>
